--- a/_courses/comp230/f18/L14.pptx
+++ b/_courses/comp230/f18/L14.pptx
@@ -5,10 +5,10 @@
     <p:sldMasterId id="2147483671" r:id="rId1"/>
   </p:sldMasterIdLst>
   <p:notesMasterIdLst>
-    <p:notesMasterId r:id="rId25"/>
+    <p:notesMasterId r:id="rId23"/>
   </p:notesMasterIdLst>
   <p:handoutMasterIdLst>
-    <p:handoutMasterId r:id="rId26"/>
+    <p:handoutMasterId r:id="rId24"/>
   </p:handoutMasterIdLst>
   <p:sldIdLst>
     <p:sldId id="489" r:id="rId2"/>
@@ -32,8 +32,6 @@
     <p:sldId id="523" r:id="rId20"/>
     <p:sldId id="524" r:id="rId21"/>
     <p:sldId id="618" r:id="rId22"/>
-    <p:sldId id="617" r:id="rId23"/>
-    <p:sldId id="616" r:id="rId24"/>
   </p:sldIdLst>
   <p:sldSz cx="9144000" cy="6858000" type="screen4x3"/>
   <p:notesSz cx="7099300" cy="10234613"/>
@@ -320,7 +318,7 @@
               <a:pPr>
                 <a:defRPr/>
               </a:pPr>
-              <a:t>September 13, 2018</a:t>
+              <a:t>September 14, 2018</a:t>
             </a:fld>
             <a:endParaRPr lang="en-US"/>
           </a:p>
@@ -564,7 +562,7 @@
               <a:pPr>
                 <a:defRPr/>
               </a:pPr>
-              <a:t>September 13, 2018</a:t>
+              <a:t>September 14, 2018</a:t>
             </a:fld>
             <a:endParaRPr lang="en-US"/>
           </a:p>
@@ -606,7 +604,7 @@
               </a14:hiddenFill>
             </a:ext>
             <a:ext uri="{FAA26D3D-D897-4be2-8F04-BA451C77F1D7}">
-              <ma14:placeholderFlag xmlns="" xmlns:ma14="http://schemas.microsoft.com/office/mac/drawingml/2011/main" val="1"/>
+              <ma14:placeholderFlag xmlns:ma14="http://schemas.microsoft.com/office/mac/drawingml/2011/main" xmlns="" val="1"/>
             </a:ext>
           </a:extLst>
         </p:spPr>
@@ -1022,7 +1020,7 @@
               <a:pPr>
                 <a:defRPr/>
               </a:pPr>
-              <a:t>September 13, 2018</a:t>
+              <a:t>September 14, 2018</a:t>
             </a:fld>
             <a:endParaRPr lang="en-US"/>
           </a:p>
@@ -1394,7 +1392,7 @@
                 <a:latin typeface="Times New Roman" charset="0"/>
               </a:rPr>
               <a:pPr/>
-              <a:t>13 September 2018</a:t>
+              <a:t>14 September 2018</a:t>
             </a:fld>
             <a:endParaRPr lang="en-US" altLang="en-US">
               <a:latin typeface="Times New Roman" charset="0"/>
@@ -1738,7 +1736,7 @@
               </a14:hiddenLine>
             </a:ext>
             <a:ext uri="{FAA26D3D-D897-4be2-8F04-BA451C77F1D7}">
-              <ma14:placeholderFlag xmlns:ma14="http://schemas.microsoft.com/office/mac/drawingml/2011/main" xmlns="" val="1"/>
+              <ma14:placeholderFlag xmlns="" xmlns:ma14="http://schemas.microsoft.com/office/mac/drawingml/2011/main" val="1"/>
             </a:ext>
           </a:extLst>
         </p:spPr>
@@ -2064,7 +2062,7 @@
                 <a:latin typeface="Times New Roman" charset="0"/>
               </a:rPr>
               <a:pPr/>
-              <a:t>13 September 2018</a:t>
+              <a:t>14 September 2018</a:t>
             </a:fld>
             <a:endParaRPr lang="en-US" altLang="en-US">
               <a:latin typeface="Times New Roman" charset="0"/>
@@ -2408,7 +2406,7 @@
               </a14:hiddenLine>
             </a:ext>
             <a:ext uri="{FAA26D3D-D897-4be2-8F04-BA451C77F1D7}">
-              <ma14:placeholderFlag xmlns:ma14="http://schemas.microsoft.com/office/mac/drawingml/2011/main" xmlns="" val="1"/>
+              <ma14:placeholderFlag xmlns="" xmlns:ma14="http://schemas.microsoft.com/office/mac/drawingml/2011/main" val="1"/>
             </a:ext>
           </a:extLst>
         </p:spPr>
@@ -2734,7 +2732,7 @@
                 <a:latin typeface="Times New Roman" charset="0"/>
               </a:rPr>
               <a:pPr/>
-              <a:t>13 September 2018</a:t>
+              <a:t>14 September 2018</a:t>
             </a:fld>
             <a:endParaRPr lang="en-US" altLang="en-US">
               <a:latin typeface="Times New Roman" charset="0"/>
@@ -3078,7 +3076,7 @@
               </a14:hiddenLine>
             </a:ext>
             <a:ext uri="{FAA26D3D-D897-4be2-8F04-BA451C77F1D7}">
-              <ma14:placeholderFlag xmlns:ma14="http://schemas.microsoft.com/office/mac/drawingml/2011/main" xmlns="" val="1"/>
+              <ma14:placeholderFlag xmlns="" xmlns:ma14="http://schemas.microsoft.com/office/mac/drawingml/2011/main" val="1"/>
             </a:ext>
           </a:extLst>
         </p:spPr>
@@ -3404,7 +3402,7 @@
                 <a:latin typeface="Times New Roman" charset="0"/>
               </a:rPr>
               <a:pPr/>
-              <a:t>13 September 2018</a:t>
+              <a:t>14 September 2018</a:t>
             </a:fld>
             <a:endParaRPr lang="en-US" altLang="en-US">
               <a:latin typeface="Times New Roman" charset="0"/>
@@ -3748,7 +3746,7 @@
               </a14:hiddenLine>
             </a:ext>
             <a:ext uri="{FAA26D3D-D897-4be2-8F04-BA451C77F1D7}">
-              <ma14:placeholderFlag xmlns:ma14="http://schemas.microsoft.com/office/mac/drawingml/2011/main" xmlns="" val="1"/>
+              <ma14:placeholderFlag xmlns="" xmlns:ma14="http://schemas.microsoft.com/office/mac/drawingml/2011/main" val="1"/>
             </a:ext>
           </a:extLst>
         </p:spPr>
@@ -4089,7 +4087,7 @@
                 <a:latin typeface="Times New Roman" charset="0"/>
               </a:rPr>
               <a:pPr/>
-              <a:t>13 September 2018</a:t>
+              <a:t>14 September 2018</a:t>
             </a:fld>
             <a:endParaRPr lang="en-US" altLang="en-US">
               <a:latin typeface="Times New Roman" charset="0"/>
@@ -4433,7 +4431,7 @@
               </a14:hiddenLine>
             </a:ext>
             <a:ext uri="{FAA26D3D-D897-4be2-8F04-BA451C77F1D7}">
-              <ma14:placeholderFlag xmlns:ma14="http://schemas.microsoft.com/office/mac/drawingml/2011/main" xmlns="" val="1"/>
+              <ma14:placeholderFlag xmlns="" xmlns:ma14="http://schemas.microsoft.com/office/mac/drawingml/2011/main" val="1"/>
             </a:ext>
           </a:extLst>
         </p:spPr>
@@ -4445,7 +4443,7 @@
               <a:rPr lang="en-AU" altLang="en-US" dirty="0">
                 <a:latin typeface="Times New Roman" charset="0"/>
               </a:rPr>
-              <a:t>Need to pause to explain while loops for those who haven’t had 161…start with a simpler while loop.</a:t>
+              <a:t>Explain while loop for those who haven’t had 161.</a:t>
             </a:r>
           </a:p>
         </p:txBody>
@@ -4762,7 +4760,7 @@
                 <a:latin typeface="Times New Roman" charset="0"/>
               </a:rPr>
               <a:pPr/>
-              <a:t>13 September 2018</a:t>
+              <a:t>14 September 2018</a:t>
             </a:fld>
             <a:endParaRPr lang="en-US" altLang="en-US">
               <a:latin typeface="Times New Roman" charset="0"/>
@@ -5106,7 +5104,7 @@
               </a14:hiddenLine>
             </a:ext>
             <a:ext uri="{FAA26D3D-D897-4be2-8F04-BA451C77F1D7}">
-              <ma14:placeholderFlag xmlns:ma14="http://schemas.microsoft.com/office/mac/drawingml/2011/main" xmlns="" val="1"/>
+              <ma14:placeholderFlag xmlns="" xmlns:ma14="http://schemas.microsoft.com/office/mac/drawingml/2011/main" val="1"/>
             </a:ext>
           </a:extLst>
         </p:spPr>
@@ -5459,7 +5457,7 @@
                 <a:latin typeface="Times New Roman" charset="0"/>
               </a:rPr>
               <a:pPr/>
-              <a:t>13 September 2018</a:t>
+              <a:t>14 September 2018</a:t>
             </a:fld>
             <a:endParaRPr lang="en-US" altLang="en-US">
               <a:latin typeface="Times New Roman" charset="0"/>
@@ -5803,7 +5801,7 @@
               </a14:hiddenLine>
             </a:ext>
             <a:ext uri="{FAA26D3D-D897-4be2-8F04-BA451C77F1D7}">
-              <ma14:placeholderFlag xmlns:ma14="http://schemas.microsoft.com/office/mac/drawingml/2011/main" xmlns="" val="1"/>
+              <ma14:placeholderFlag xmlns="" xmlns:ma14="http://schemas.microsoft.com/office/mac/drawingml/2011/main" val="1"/>
             </a:ext>
           </a:extLst>
         </p:spPr>
@@ -6129,7 +6127,7 @@
                 <a:latin typeface="Times New Roman" charset="0"/>
               </a:rPr>
               <a:pPr/>
-              <a:t>13 September 2018</a:t>
+              <a:t>14 September 2018</a:t>
             </a:fld>
             <a:endParaRPr lang="en-US" altLang="en-US">
               <a:latin typeface="Times New Roman" charset="0"/>
@@ -6473,7 +6471,7 @@
               </a14:hiddenLine>
             </a:ext>
             <a:ext uri="{FAA26D3D-D897-4be2-8F04-BA451C77F1D7}">
-              <ma14:placeholderFlag xmlns:ma14="http://schemas.microsoft.com/office/mac/drawingml/2011/main" xmlns="" val="1"/>
+              <ma14:placeholderFlag xmlns="" xmlns:ma14="http://schemas.microsoft.com/office/mac/drawingml/2011/main" val="1"/>
             </a:ext>
           </a:extLst>
         </p:spPr>
@@ -6799,7 +6797,7 @@
                 <a:latin typeface="Times New Roman" charset="0"/>
               </a:rPr>
               <a:pPr/>
-              <a:t>13 September 2018</a:t>
+              <a:t>14 September 2018</a:t>
             </a:fld>
             <a:endParaRPr lang="en-US" altLang="en-US">
               <a:latin typeface="Times New Roman" charset="0"/>
@@ -7143,7 +7141,7 @@
               </a14:hiddenLine>
             </a:ext>
             <a:ext uri="{FAA26D3D-D897-4be2-8F04-BA451C77F1D7}">
-              <ma14:placeholderFlag xmlns:ma14="http://schemas.microsoft.com/office/mac/drawingml/2011/main" xmlns="" val="1"/>
+              <ma14:placeholderFlag xmlns="" xmlns:ma14="http://schemas.microsoft.com/office/mac/drawingml/2011/main" val="1"/>
             </a:ext>
           </a:extLst>
         </p:spPr>
@@ -7525,7 +7523,7 @@
                 <a:latin typeface="Times New Roman" charset="0"/>
               </a:rPr>
               <a:pPr/>
-              <a:t>13 September 2018</a:t>
+              <a:t>14 September 2018</a:t>
             </a:fld>
             <a:endParaRPr lang="en-US" altLang="en-US">
               <a:latin typeface="Times New Roman" charset="0"/>
@@ -7869,7 +7867,7 @@
               </a14:hiddenLine>
             </a:ext>
             <a:ext uri="{FAA26D3D-D897-4be2-8F04-BA451C77F1D7}">
-              <ma14:placeholderFlag xmlns:ma14="http://schemas.microsoft.com/office/mac/drawingml/2011/main" xmlns="" val="1"/>
+              <ma14:placeholderFlag xmlns="" xmlns:ma14="http://schemas.microsoft.com/office/mac/drawingml/2011/main" val="1"/>
             </a:ext>
           </a:extLst>
         </p:spPr>
@@ -8195,7 +8193,7 @@
                 <a:latin typeface="Times New Roman" charset="0"/>
               </a:rPr>
               <a:pPr/>
-              <a:t>13 September 2018</a:t>
+              <a:t>14 September 2018</a:t>
             </a:fld>
             <a:endParaRPr lang="en-US" altLang="en-US" sz="1300">
               <a:latin typeface="Times New Roman" charset="0"/>
@@ -8539,7 +8537,7 @@
               </a14:hiddenLine>
             </a:ext>
             <a:ext uri="{FAA26D3D-D897-4be2-8F04-BA451C77F1D7}">
-              <ma14:placeholderFlag xmlns="" xmlns:ma14="http://schemas.microsoft.com/office/mac/drawingml/2011/main" val="1"/>
+              <ma14:placeholderFlag xmlns:ma14="http://schemas.microsoft.com/office/mac/drawingml/2011/main" xmlns="" val="1"/>
             </a:ext>
           </a:extLst>
         </p:spPr>
@@ -8877,7 +8875,7 @@
                 <a:latin typeface="Times New Roman" charset="0"/>
               </a:rPr>
               <a:pPr/>
-              <a:t>13 September 2018</a:t>
+              <a:t>14 September 2018</a:t>
             </a:fld>
             <a:endParaRPr lang="en-US" altLang="en-US">
               <a:latin typeface="Times New Roman" charset="0"/>
@@ -9221,7 +9219,7 @@
               </a14:hiddenLine>
             </a:ext>
             <a:ext uri="{FAA26D3D-D897-4be2-8F04-BA451C77F1D7}">
-              <ma14:placeholderFlag xmlns:ma14="http://schemas.microsoft.com/office/mac/drawingml/2011/main" xmlns="" val="1"/>
+              <ma14:placeholderFlag xmlns="" xmlns:ma14="http://schemas.microsoft.com/office/mac/drawingml/2011/main" val="1"/>
             </a:ext>
           </a:extLst>
         </p:spPr>
@@ -9244,16 +9242,16 @@
           </a:p>
           <a:p>
             <a:r>
-              <a:rPr lang="en-AU" altLang="en-US" dirty="0" err="1">
+              <a:rPr lang="en-AU" altLang="en-US">
                 <a:latin typeface="Times New Roman" charset="0"/>
               </a:rPr>
-              <a:t>Bne</a:t>
+              <a:t>Beq </a:t>
             </a:r>
             <a:r>
               <a:rPr lang="en-AU" altLang="en-US" dirty="0">
                 <a:latin typeface="Times New Roman" charset="0"/>
               </a:rPr>
-              <a:t> $t0, $zero, exit</a:t>
+              <a:t>$t0, $zero, exit</a:t>
             </a:r>
           </a:p>
           <a:p>
@@ -9284,1556 +9282,6 @@
     <p:extLst>
       <p:ext uri="{BB962C8B-B14F-4D97-AF65-F5344CB8AC3E}">
         <p14:creationId xmlns:p14="http://schemas.microsoft.com/office/powerpoint/2010/main" val="1325518211"/>
-      </p:ext>
-    </p:extLst>
-  </p:cSld>
-  <p:clrMapOvr>
-    <a:masterClrMapping/>
-  </p:clrMapOvr>
-</p:notes>
-</file>
-
-<file path=ppt/notesSlides/notesSlide21.xml><?xml version="1.0" encoding="utf-8"?>
-<p:notes xmlns:a="http://schemas.openxmlformats.org/drawingml/2006/main" xmlns:r="http://schemas.openxmlformats.org/officeDocument/2006/relationships" xmlns:p="http://schemas.openxmlformats.org/presentationml/2006/main">
-  <p:cSld>
-    <p:spTree>
-      <p:nvGrpSpPr>
-        <p:cNvPr id="1" name=""/>
-        <p:cNvGrpSpPr/>
-        <p:nvPr/>
-      </p:nvGrpSpPr>
-      <p:grpSpPr>
-        <a:xfrm>
-          <a:off x="0" y="0"/>
-          <a:ext cx="0" cy="0"/>
-          <a:chOff x="0" y="0"/>
-          <a:chExt cx="0" cy="0"/>
-        </a:xfrm>
-      </p:grpSpPr>
-      <p:sp>
-        <p:nvSpPr>
-          <p:cNvPr id="133122" name="Rectangle 2"/>
-          <p:cNvSpPr>
-            <a:spLocks noGrp="1" noChangeArrowheads="1"/>
-          </p:cNvSpPr>
-          <p:nvPr>
-            <p:ph type="hdr" sz="quarter"/>
-          </p:nvPr>
-        </p:nvSpPr>
-        <p:spPr>
-          <a:noFill/>
-          <a:ln/>
-          <a:extLst>
-            <a:ext uri="{909E8E84-426E-40DD-AFC4-6F175D3DCCD1}">
-              <a14:hiddenFill xmlns:a14="http://schemas.microsoft.com/office/drawing/2010/main">
-                <a:solidFill>
-                  <a:srgbClr val="FFFFFF"/>
-                </a:solidFill>
-              </a14:hiddenFill>
-            </a:ext>
-            <a:ext uri="{91240B29-F687-4F45-9708-019B960494DF}">
-              <a14:hiddenLine xmlns:a14="http://schemas.microsoft.com/office/drawing/2010/main" w="9525">
-                <a:solidFill>
-                  <a:srgbClr val="000000"/>
-                </a:solidFill>
-                <a:miter lim="800000"/>
-                <a:headEnd/>
-                <a:tailEnd/>
-              </a14:hiddenLine>
-            </a:ext>
-          </a:extLst>
-        </p:spPr>
-        <p:txBody>
-          <a:bodyPr/>
-          <a:lstStyle>
-            <a:lvl1pPr defTabSz="966788">
-              <a:defRPr>
-                <a:solidFill>
-                  <a:schemeClr val="tx1"/>
-                </a:solidFill>
-                <a:latin typeface="Arial" charset="0"/>
-              </a:defRPr>
-            </a:lvl1pPr>
-            <a:lvl2pPr marL="742950" indent="-285750" defTabSz="966788">
-              <a:defRPr>
-                <a:solidFill>
-                  <a:schemeClr val="tx1"/>
-                </a:solidFill>
-                <a:latin typeface="Arial" charset="0"/>
-              </a:defRPr>
-            </a:lvl2pPr>
-            <a:lvl3pPr marL="1143000" indent="-228600" defTabSz="966788">
-              <a:defRPr>
-                <a:solidFill>
-                  <a:schemeClr val="tx1"/>
-                </a:solidFill>
-                <a:latin typeface="Arial" charset="0"/>
-              </a:defRPr>
-            </a:lvl3pPr>
-            <a:lvl4pPr marL="1600200" indent="-228600" defTabSz="966788">
-              <a:defRPr>
-                <a:solidFill>
-                  <a:schemeClr val="tx1"/>
-                </a:solidFill>
-                <a:latin typeface="Arial" charset="0"/>
-              </a:defRPr>
-            </a:lvl4pPr>
-            <a:lvl5pPr marL="2057400" indent="-228600" defTabSz="966788">
-              <a:defRPr>
-                <a:solidFill>
-                  <a:schemeClr val="tx1"/>
-                </a:solidFill>
-                <a:latin typeface="Arial" charset="0"/>
-              </a:defRPr>
-            </a:lvl5pPr>
-            <a:lvl6pPr marL="2514600" indent="-228600" defTabSz="966788" eaLnBrk="0" fontAlgn="base" hangingPunct="0">
-              <a:spcBef>
-                <a:spcPct val="0"/>
-              </a:spcBef>
-              <a:spcAft>
-                <a:spcPct val="0"/>
-              </a:spcAft>
-              <a:defRPr>
-                <a:solidFill>
-                  <a:schemeClr val="tx1"/>
-                </a:solidFill>
-                <a:latin typeface="Arial" charset="0"/>
-              </a:defRPr>
-            </a:lvl6pPr>
-            <a:lvl7pPr marL="2971800" indent="-228600" defTabSz="966788" eaLnBrk="0" fontAlgn="base" hangingPunct="0">
-              <a:spcBef>
-                <a:spcPct val="0"/>
-              </a:spcBef>
-              <a:spcAft>
-                <a:spcPct val="0"/>
-              </a:spcAft>
-              <a:defRPr>
-                <a:solidFill>
-                  <a:schemeClr val="tx1"/>
-                </a:solidFill>
-                <a:latin typeface="Arial" charset="0"/>
-              </a:defRPr>
-            </a:lvl7pPr>
-            <a:lvl8pPr marL="3429000" indent="-228600" defTabSz="966788" eaLnBrk="0" fontAlgn="base" hangingPunct="0">
-              <a:spcBef>
-                <a:spcPct val="0"/>
-              </a:spcBef>
-              <a:spcAft>
-                <a:spcPct val="0"/>
-              </a:spcAft>
-              <a:defRPr>
-                <a:solidFill>
-                  <a:schemeClr val="tx1"/>
-                </a:solidFill>
-                <a:latin typeface="Arial" charset="0"/>
-              </a:defRPr>
-            </a:lvl8pPr>
-            <a:lvl9pPr marL="3886200" indent="-228600" defTabSz="966788" eaLnBrk="0" fontAlgn="base" hangingPunct="0">
-              <a:spcBef>
-                <a:spcPct val="0"/>
-              </a:spcBef>
-              <a:spcAft>
-                <a:spcPct val="0"/>
-              </a:spcAft>
-              <a:defRPr>
-                <a:solidFill>
-                  <a:schemeClr val="tx1"/>
-                </a:solidFill>
-                <a:latin typeface="Arial" charset="0"/>
-              </a:defRPr>
-            </a:lvl9pPr>
-          </a:lstStyle>
-          <a:p>
-            <a:r>
-              <a:rPr lang="en-US" altLang="en-US">
-                <a:latin typeface="Times New Roman" charset="0"/>
-              </a:rPr>
-              <a:t>The University of Adelaide, School of Computer Science</a:t>
-            </a:r>
-          </a:p>
-        </p:txBody>
-      </p:sp>
-      <p:sp>
-        <p:nvSpPr>
-          <p:cNvPr id="133123" name="Rectangle 3"/>
-          <p:cNvSpPr>
-            <a:spLocks noGrp="1" noChangeArrowheads="1"/>
-          </p:cNvSpPr>
-          <p:nvPr>
-            <p:ph type="dt" sz="quarter" idx="1"/>
-          </p:nvPr>
-        </p:nvSpPr>
-        <p:spPr>
-          <a:noFill/>
-          <a:ln/>
-          <a:extLst>
-            <a:ext uri="{909E8E84-426E-40DD-AFC4-6F175D3DCCD1}">
-              <a14:hiddenFill xmlns:a14="http://schemas.microsoft.com/office/drawing/2010/main">
-                <a:solidFill>
-                  <a:srgbClr val="FFFFFF"/>
-                </a:solidFill>
-              </a14:hiddenFill>
-            </a:ext>
-            <a:ext uri="{91240B29-F687-4F45-9708-019B960494DF}">
-              <a14:hiddenLine xmlns:a14="http://schemas.microsoft.com/office/drawing/2010/main" w="9525">
-                <a:solidFill>
-                  <a:srgbClr val="000000"/>
-                </a:solidFill>
-                <a:miter lim="800000"/>
-                <a:headEnd/>
-                <a:tailEnd/>
-              </a14:hiddenLine>
-            </a:ext>
-          </a:extLst>
-        </p:spPr>
-        <p:txBody>
-          <a:bodyPr/>
-          <a:lstStyle>
-            <a:lvl1pPr defTabSz="966788">
-              <a:defRPr>
-                <a:solidFill>
-                  <a:schemeClr val="tx1"/>
-                </a:solidFill>
-                <a:latin typeface="Arial" charset="0"/>
-              </a:defRPr>
-            </a:lvl1pPr>
-            <a:lvl2pPr marL="742950" indent="-285750" defTabSz="966788">
-              <a:defRPr>
-                <a:solidFill>
-                  <a:schemeClr val="tx1"/>
-                </a:solidFill>
-                <a:latin typeface="Arial" charset="0"/>
-              </a:defRPr>
-            </a:lvl2pPr>
-            <a:lvl3pPr marL="1143000" indent="-228600" defTabSz="966788">
-              <a:defRPr>
-                <a:solidFill>
-                  <a:schemeClr val="tx1"/>
-                </a:solidFill>
-                <a:latin typeface="Arial" charset="0"/>
-              </a:defRPr>
-            </a:lvl3pPr>
-            <a:lvl4pPr marL="1600200" indent="-228600" defTabSz="966788">
-              <a:defRPr>
-                <a:solidFill>
-                  <a:schemeClr val="tx1"/>
-                </a:solidFill>
-                <a:latin typeface="Arial" charset="0"/>
-              </a:defRPr>
-            </a:lvl4pPr>
-            <a:lvl5pPr marL="2057400" indent="-228600" defTabSz="966788">
-              <a:defRPr>
-                <a:solidFill>
-                  <a:schemeClr val="tx1"/>
-                </a:solidFill>
-                <a:latin typeface="Arial" charset="0"/>
-              </a:defRPr>
-            </a:lvl5pPr>
-            <a:lvl6pPr marL="2514600" indent="-228600" defTabSz="966788" eaLnBrk="0" fontAlgn="base" hangingPunct="0">
-              <a:spcBef>
-                <a:spcPct val="0"/>
-              </a:spcBef>
-              <a:spcAft>
-                <a:spcPct val="0"/>
-              </a:spcAft>
-              <a:defRPr>
-                <a:solidFill>
-                  <a:schemeClr val="tx1"/>
-                </a:solidFill>
-                <a:latin typeface="Arial" charset="0"/>
-              </a:defRPr>
-            </a:lvl6pPr>
-            <a:lvl7pPr marL="2971800" indent="-228600" defTabSz="966788" eaLnBrk="0" fontAlgn="base" hangingPunct="0">
-              <a:spcBef>
-                <a:spcPct val="0"/>
-              </a:spcBef>
-              <a:spcAft>
-                <a:spcPct val="0"/>
-              </a:spcAft>
-              <a:defRPr>
-                <a:solidFill>
-                  <a:schemeClr val="tx1"/>
-                </a:solidFill>
-                <a:latin typeface="Arial" charset="0"/>
-              </a:defRPr>
-            </a:lvl7pPr>
-            <a:lvl8pPr marL="3429000" indent="-228600" defTabSz="966788" eaLnBrk="0" fontAlgn="base" hangingPunct="0">
-              <a:spcBef>
-                <a:spcPct val="0"/>
-              </a:spcBef>
-              <a:spcAft>
-                <a:spcPct val="0"/>
-              </a:spcAft>
-              <a:defRPr>
-                <a:solidFill>
-                  <a:schemeClr val="tx1"/>
-                </a:solidFill>
-                <a:latin typeface="Arial" charset="0"/>
-              </a:defRPr>
-            </a:lvl8pPr>
-            <a:lvl9pPr marL="3886200" indent="-228600" defTabSz="966788" eaLnBrk="0" fontAlgn="base" hangingPunct="0">
-              <a:spcBef>
-                <a:spcPct val="0"/>
-              </a:spcBef>
-              <a:spcAft>
-                <a:spcPct val="0"/>
-              </a:spcAft>
-              <a:defRPr>
-                <a:solidFill>
-                  <a:schemeClr val="tx1"/>
-                </a:solidFill>
-                <a:latin typeface="Arial" charset="0"/>
-              </a:defRPr>
-            </a:lvl9pPr>
-          </a:lstStyle>
-          <a:p>
-            <a:fld id="{74761847-0E60-D946-8AC2-FE307BBC5D1A}" type="datetime3">
-              <a:rPr lang="en-US" altLang="en-US">
-                <a:latin typeface="Times New Roman" charset="0"/>
-              </a:rPr>
-              <a:pPr/>
-              <a:t>13 September 2018</a:t>
-            </a:fld>
-            <a:endParaRPr lang="en-US" altLang="en-US">
-              <a:latin typeface="Times New Roman" charset="0"/>
-            </a:endParaRPr>
-          </a:p>
-        </p:txBody>
-      </p:sp>
-      <p:sp>
-        <p:nvSpPr>
-          <p:cNvPr id="133124" name="Rectangle 6"/>
-          <p:cNvSpPr>
-            <a:spLocks noGrp="1" noChangeArrowheads="1"/>
-          </p:cNvSpPr>
-          <p:nvPr>
-            <p:ph type="ftr" sz="quarter" idx="4"/>
-          </p:nvPr>
-        </p:nvSpPr>
-        <p:spPr>
-          <a:noFill/>
-          <a:ln/>
-          <a:extLst>
-            <a:ext uri="{909E8E84-426E-40DD-AFC4-6F175D3DCCD1}">
-              <a14:hiddenFill xmlns:a14="http://schemas.microsoft.com/office/drawing/2010/main">
-                <a:solidFill>
-                  <a:srgbClr val="FFFFFF"/>
-                </a:solidFill>
-              </a14:hiddenFill>
-            </a:ext>
-            <a:ext uri="{91240B29-F687-4F45-9708-019B960494DF}">
-              <a14:hiddenLine xmlns:a14="http://schemas.microsoft.com/office/drawing/2010/main" w="9525">
-                <a:solidFill>
-                  <a:srgbClr val="000000"/>
-                </a:solidFill>
-                <a:miter lim="800000"/>
-                <a:headEnd/>
-                <a:tailEnd/>
-              </a14:hiddenLine>
-            </a:ext>
-          </a:extLst>
-        </p:spPr>
-        <p:txBody>
-          <a:bodyPr/>
-          <a:lstStyle>
-            <a:lvl1pPr defTabSz="966788">
-              <a:defRPr>
-                <a:solidFill>
-                  <a:schemeClr val="tx1"/>
-                </a:solidFill>
-                <a:latin typeface="Arial" charset="0"/>
-              </a:defRPr>
-            </a:lvl1pPr>
-            <a:lvl2pPr marL="742950" indent="-285750" defTabSz="966788">
-              <a:defRPr>
-                <a:solidFill>
-                  <a:schemeClr val="tx1"/>
-                </a:solidFill>
-                <a:latin typeface="Arial" charset="0"/>
-              </a:defRPr>
-            </a:lvl2pPr>
-            <a:lvl3pPr marL="1143000" indent="-228600" defTabSz="966788">
-              <a:defRPr>
-                <a:solidFill>
-                  <a:schemeClr val="tx1"/>
-                </a:solidFill>
-                <a:latin typeface="Arial" charset="0"/>
-              </a:defRPr>
-            </a:lvl3pPr>
-            <a:lvl4pPr marL="1600200" indent="-228600" defTabSz="966788">
-              <a:defRPr>
-                <a:solidFill>
-                  <a:schemeClr val="tx1"/>
-                </a:solidFill>
-                <a:latin typeface="Arial" charset="0"/>
-              </a:defRPr>
-            </a:lvl4pPr>
-            <a:lvl5pPr marL="2057400" indent="-228600" defTabSz="966788">
-              <a:defRPr>
-                <a:solidFill>
-                  <a:schemeClr val="tx1"/>
-                </a:solidFill>
-                <a:latin typeface="Arial" charset="0"/>
-              </a:defRPr>
-            </a:lvl5pPr>
-            <a:lvl6pPr marL="2514600" indent="-228600" defTabSz="966788" eaLnBrk="0" fontAlgn="base" hangingPunct="0">
-              <a:spcBef>
-                <a:spcPct val="0"/>
-              </a:spcBef>
-              <a:spcAft>
-                <a:spcPct val="0"/>
-              </a:spcAft>
-              <a:defRPr>
-                <a:solidFill>
-                  <a:schemeClr val="tx1"/>
-                </a:solidFill>
-                <a:latin typeface="Arial" charset="0"/>
-              </a:defRPr>
-            </a:lvl6pPr>
-            <a:lvl7pPr marL="2971800" indent="-228600" defTabSz="966788" eaLnBrk="0" fontAlgn="base" hangingPunct="0">
-              <a:spcBef>
-                <a:spcPct val="0"/>
-              </a:spcBef>
-              <a:spcAft>
-                <a:spcPct val="0"/>
-              </a:spcAft>
-              <a:defRPr>
-                <a:solidFill>
-                  <a:schemeClr val="tx1"/>
-                </a:solidFill>
-                <a:latin typeface="Arial" charset="0"/>
-              </a:defRPr>
-            </a:lvl7pPr>
-            <a:lvl8pPr marL="3429000" indent="-228600" defTabSz="966788" eaLnBrk="0" fontAlgn="base" hangingPunct="0">
-              <a:spcBef>
-                <a:spcPct val="0"/>
-              </a:spcBef>
-              <a:spcAft>
-                <a:spcPct val="0"/>
-              </a:spcAft>
-              <a:defRPr>
-                <a:solidFill>
-                  <a:schemeClr val="tx1"/>
-                </a:solidFill>
-                <a:latin typeface="Arial" charset="0"/>
-              </a:defRPr>
-            </a:lvl8pPr>
-            <a:lvl9pPr marL="3886200" indent="-228600" defTabSz="966788" eaLnBrk="0" fontAlgn="base" hangingPunct="0">
-              <a:spcBef>
-                <a:spcPct val="0"/>
-              </a:spcBef>
-              <a:spcAft>
-                <a:spcPct val="0"/>
-              </a:spcAft>
-              <a:defRPr>
-                <a:solidFill>
-                  <a:schemeClr val="tx1"/>
-                </a:solidFill>
-                <a:latin typeface="Arial" charset="0"/>
-              </a:defRPr>
-            </a:lvl9pPr>
-          </a:lstStyle>
-          <a:p>
-            <a:r>
-              <a:rPr lang="en-US" altLang="en-US">
-                <a:latin typeface="Times New Roman" charset="0"/>
-              </a:rPr>
-              <a:t>Chapter 2 — Instructions: Language of the Computer</a:t>
-            </a:r>
-          </a:p>
-        </p:txBody>
-      </p:sp>
-      <p:sp>
-        <p:nvSpPr>
-          <p:cNvPr id="133125" name="Rectangle 7"/>
-          <p:cNvSpPr>
-            <a:spLocks noGrp="1" noChangeArrowheads="1"/>
-          </p:cNvSpPr>
-          <p:nvPr>
-            <p:ph type="sldNum" sz="quarter" idx="5"/>
-          </p:nvPr>
-        </p:nvSpPr>
-        <p:spPr>
-          <a:noFill/>
-          <a:ln/>
-          <a:extLst>
-            <a:ext uri="{909E8E84-426E-40DD-AFC4-6F175D3DCCD1}">
-              <a14:hiddenFill xmlns:a14="http://schemas.microsoft.com/office/drawing/2010/main">
-                <a:solidFill>
-                  <a:srgbClr val="FFFFFF"/>
-                </a:solidFill>
-              </a14:hiddenFill>
-            </a:ext>
-            <a:ext uri="{91240B29-F687-4F45-9708-019B960494DF}">
-              <a14:hiddenLine xmlns:a14="http://schemas.microsoft.com/office/drawing/2010/main" w="9525">
-                <a:solidFill>
-                  <a:srgbClr val="000000"/>
-                </a:solidFill>
-                <a:miter lim="800000"/>
-                <a:headEnd/>
-                <a:tailEnd/>
-              </a14:hiddenLine>
-            </a:ext>
-          </a:extLst>
-        </p:spPr>
-        <p:txBody>
-          <a:bodyPr/>
-          <a:lstStyle>
-            <a:lvl1pPr defTabSz="966788">
-              <a:defRPr>
-                <a:solidFill>
-                  <a:schemeClr val="tx1"/>
-                </a:solidFill>
-                <a:latin typeface="Arial" charset="0"/>
-              </a:defRPr>
-            </a:lvl1pPr>
-            <a:lvl2pPr marL="742950" indent="-285750" defTabSz="966788">
-              <a:defRPr>
-                <a:solidFill>
-                  <a:schemeClr val="tx1"/>
-                </a:solidFill>
-                <a:latin typeface="Arial" charset="0"/>
-              </a:defRPr>
-            </a:lvl2pPr>
-            <a:lvl3pPr marL="1143000" indent="-228600" defTabSz="966788">
-              <a:defRPr>
-                <a:solidFill>
-                  <a:schemeClr val="tx1"/>
-                </a:solidFill>
-                <a:latin typeface="Arial" charset="0"/>
-              </a:defRPr>
-            </a:lvl3pPr>
-            <a:lvl4pPr marL="1600200" indent="-228600" defTabSz="966788">
-              <a:defRPr>
-                <a:solidFill>
-                  <a:schemeClr val="tx1"/>
-                </a:solidFill>
-                <a:latin typeface="Arial" charset="0"/>
-              </a:defRPr>
-            </a:lvl4pPr>
-            <a:lvl5pPr marL="2057400" indent="-228600" defTabSz="966788">
-              <a:defRPr>
-                <a:solidFill>
-                  <a:schemeClr val="tx1"/>
-                </a:solidFill>
-                <a:latin typeface="Arial" charset="0"/>
-              </a:defRPr>
-            </a:lvl5pPr>
-            <a:lvl6pPr marL="2514600" indent="-228600" defTabSz="966788" eaLnBrk="0" fontAlgn="base" hangingPunct="0">
-              <a:spcBef>
-                <a:spcPct val="0"/>
-              </a:spcBef>
-              <a:spcAft>
-                <a:spcPct val="0"/>
-              </a:spcAft>
-              <a:defRPr>
-                <a:solidFill>
-                  <a:schemeClr val="tx1"/>
-                </a:solidFill>
-                <a:latin typeface="Arial" charset="0"/>
-              </a:defRPr>
-            </a:lvl6pPr>
-            <a:lvl7pPr marL="2971800" indent="-228600" defTabSz="966788" eaLnBrk="0" fontAlgn="base" hangingPunct="0">
-              <a:spcBef>
-                <a:spcPct val="0"/>
-              </a:spcBef>
-              <a:spcAft>
-                <a:spcPct val="0"/>
-              </a:spcAft>
-              <a:defRPr>
-                <a:solidFill>
-                  <a:schemeClr val="tx1"/>
-                </a:solidFill>
-                <a:latin typeface="Arial" charset="0"/>
-              </a:defRPr>
-            </a:lvl7pPr>
-            <a:lvl8pPr marL="3429000" indent="-228600" defTabSz="966788" eaLnBrk="0" fontAlgn="base" hangingPunct="0">
-              <a:spcBef>
-                <a:spcPct val="0"/>
-              </a:spcBef>
-              <a:spcAft>
-                <a:spcPct val="0"/>
-              </a:spcAft>
-              <a:defRPr>
-                <a:solidFill>
-                  <a:schemeClr val="tx1"/>
-                </a:solidFill>
-                <a:latin typeface="Arial" charset="0"/>
-              </a:defRPr>
-            </a:lvl8pPr>
-            <a:lvl9pPr marL="3886200" indent="-228600" defTabSz="966788" eaLnBrk="0" fontAlgn="base" hangingPunct="0">
-              <a:spcBef>
-                <a:spcPct val="0"/>
-              </a:spcBef>
-              <a:spcAft>
-                <a:spcPct val="0"/>
-              </a:spcAft>
-              <a:defRPr>
-                <a:solidFill>
-                  <a:schemeClr val="tx1"/>
-                </a:solidFill>
-                <a:latin typeface="Arial" charset="0"/>
-              </a:defRPr>
-            </a:lvl9pPr>
-          </a:lstStyle>
-          <a:p>
-            <a:fld id="{28E3201C-2415-2C42-B786-B0381FCA0FA3}" type="slidenum">
-              <a:rPr lang="en-US" altLang="en-US">
-                <a:latin typeface="Times New Roman" charset="0"/>
-              </a:rPr>
-              <a:pPr/>
-              <a:t>22</a:t>
-            </a:fld>
-            <a:endParaRPr lang="en-US" altLang="en-US">
-              <a:latin typeface="Times New Roman" charset="0"/>
-            </a:endParaRPr>
-          </a:p>
-        </p:txBody>
-      </p:sp>
-      <p:sp>
-        <p:nvSpPr>
-          <p:cNvPr id="133126" name="Rectangle 2"/>
-          <p:cNvSpPr>
-            <a:spLocks noGrp="1" noRot="1" noChangeAspect="1" noChangeArrowheads="1" noTextEdit="1"/>
-          </p:cNvSpPr>
-          <p:nvPr>
-            <p:ph type="sldImg"/>
-          </p:nvPr>
-        </p:nvSpPr>
-        <p:spPr>
-          <a:ln/>
-        </p:spPr>
-      </p:sp>
-      <p:sp>
-        <p:nvSpPr>
-          <p:cNvPr id="133127" name="Rectangle 3"/>
-          <p:cNvSpPr>
-            <a:spLocks noGrp="1" noChangeArrowheads="1"/>
-          </p:cNvSpPr>
-          <p:nvPr>
-            <p:ph type="body" idx="1"/>
-          </p:nvPr>
-        </p:nvSpPr>
-        <p:spPr>
-          <a:noFill/>
-          <a:ln/>
-          <a:extLst>
-            <a:ext uri="{909E8E84-426E-40DD-AFC4-6F175D3DCCD1}">
-              <a14:hiddenFill xmlns:a14="http://schemas.microsoft.com/office/drawing/2010/main">
-                <a:solidFill>
-                  <a:srgbClr val="FFFFFF"/>
-                </a:solidFill>
-              </a14:hiddenFill>
-            </a:ext>
-            <a:ext uri="{91240B29-F687-4F45-9708-019B960494DF}">
-              <a14:hiddenLine xmlns:a14="http://schemas.microsoft.com/office/drawing/2010/main" w="9525">
-                <a:solidFill>
-                  <a:srgbClr val="000000"/>
-                </a:solidFill>
-                <a:miter lim="800000"/>
-                <a:headEnd/>
-                <a:tailEnd/>
-              </a14:hiddenLine>
-            </a:ext>
-            <a:ext uri="{FAA26D3D-D897-4be2-8F04-BA451C77F1D7}">
-              <ma14:placeholderFlag xmlns:ma14="http://schemas.microsoft.com/office/mac/drawingml/2011/main" xmlns="" val="1"/>
-            </a:ext>
-          </a:extLst>
-        </p:spPr>
-        <p:txBody>
-          <a:bodyPr/>
-          <a:lstStyle/>
-          <a:p>
-            <a:r>
-              <a:rPr lang="en-AU" altLang="en-US" dirty="0" err="1">
-                <a:latin typeface="Times New Roman" charset="0"/>
-              </a:rPr>
-              <a:t>Slt</a:t>
-            </a:r>
-            <a:r>
-              <a:rPr lang="en-AU" altLang="en-US" dirty="0">
-                <a:latin typeface="Times New Roman" charset="0"/>
-              </a:rPr>
-              <a:t> $t0, $s0, $s1</a:t>
-            </a:r>
-          </a:p>
-          <a:p>
-            <a:r>
-              <a:rPr lang="en-AU" altLang="en-US" dirty="0" err="1">
-                <a:latin typeface="Times New Roman" charset="0"/>
-              </a:rPr>
-              <a:t>Beq</a:t>
-            </a:r>
-            <a:r>
-              <a:rPr lang="en-AU" altLang="en-US" dirty="0">
-                <a:latin typeface="Times New Roman" charset="0"/>
-              </a:rPr>
-              <a:t> $t0, $zero, else</a:t>
-            </a:r>
-          </a:p>
-          <a:p>
-            <a:r>
-              <a:rPr lang="en-AU" altLang="en-US" dirty="0" err="1">
-                <a:latin typeface="Times New Roman" charset="0"/>
-              </a:rPr>
-              <a:t>Beq</a:t>
-            </a:r>
-            <a:r>
-              <a:rPr lang="en-AU" altLang="en-US" dirty="0">
-                <a:latin typeface="Times New Roman" charset="0"/>
-              </a:rPr>
-              <a:t> $s0, $s1, else #if starts after this</a:t>
-            </a:r>
-          </a:p>
-          <a:p>
-            <a:r>
-              <a:rPr lang="en-AU" altLang="en-US" dirty="0" err="1">
-                <a:latin typeface="Times New Roman" charset="0"/>
-              </a:rPr>
-              <a:t>Addi</a:t>
-            </a:r>
-            <a:r>
-              <a:rPr lang="en-AU" altLang="en-US" dirty="0">
-                <a:latin typeface="Times New Roman" charset="0"/>
-              </a:rPr>
-              <a:t> $s0, $s0, -1</a:t>
-            </a:r>
-          </a:p>
-          <a:p>
-            <a:r>
-              <a:rPr lang="en-AU" altLang="en-US" dirty="0">
-                <a:latin typeface="Times New Roman" charset="0"/>
-              </a:rPr>
-              <a:t>J Exit</a:t>
-            </a:r>
-          </a:p>
-          <a:p>
-            <a:r>
-              <a:rPr lang="en-AU" altLang="en-US" dirty="0">
-                <a:latin typeface="Times New Roman" charset="0"/>
-              </a:rPr>
-              <a:t>Else: add $s0, $s1, $zero</a:t>
-            </a:r>
-          </a:p>
-          <a:p>
-            <a:r>
-              <a:rPr lang="en-AU" altLang="en-US" dirty="0" err="1">
-                <a:latin typeface="Times New Roman" charset="0"/>
-              </a:rPr>
-              <a:t>Addi</a:t>
-            </a:r>
-            <a:r>
-              <a:rPr lang="en-AU" altLang="en-US" dirty="0">
-                <a:latin typeface="Times New Roman" charset="0"/>
-              </a:rPr>
-              <a:t> $s1, $s1, -1</a:t>
-            </a:r>
-          </a:p>
-          <a:p>
-            <a:r>
-              <a:rPr lang="en-AU" altLang="en-US" dirty="0">
-                <a:latin typeface="Times New Roman" charset="0"/>
-              </a:rPr>
-              <a:t>Exit: </a:t>
-            </a:r>
-          </a:p>
-          <a:p>
-            <a:endParaRPr lang="en-AU" altLang="en-US" dirty="0">
-              <a:latin typeface="Times New Roman" charset="0"/>
-            </a:endParaRPr>
-          </a:p>
-        </p:txBody>
-      </p:sp>
-    </p:spTree>
-    <p:extLst>
-      <p:ext uri="{BB962C8B-B14F-4D97-AF65-F5344CB8AC3E}">
-        <p14:creationId xmlns:p14="http://schemas.microsoft.com/office/powerpoint/2010/main" val="1870477689"/>
-      </p:ext>
-    </p:extLst>
-  </p:cSld>
-  <p:clrMapOvr>
-    <a:masterClrMapping/>
-  </p:clrMapOvr>
-</p:notes>
-</file>
-
-<file path=ppt/notesSlides/notesSlide22.xml><?xml version="1.0" encoding="utf-8"?>
-<p:notes xmlns:a="http://schemas.openxmlformats.org/drawingml/2006/main" xmlns:r="http://schemas.openxmlformats.org/officeDocument/2006/relationships" xmlns:p="http://schemas.openxmlformats.org/presentationml/2006/main">
-  <p:cSld>
-    <p:spTree>
-      <p:nvGrpSpPr>
-        <p:cNvPr id="1" name=""/>
-        <p:cNvGrpSpPr/>
-        <p:nvPr/>
-      </p:nvGrpSpPr>
-      <p:grpSpPr>
-        <a:xfrm>
-          <a:off x="0" y="0"/>
-          <a:ext cx="0" cy="0"/>
-          <a:chOff x="0" y="0"/>
-          <a:chExt cx="0" cy="0"/>
-        </a:xfrm>
-      </p:grpSpPr>
-      <p:sp>
-        <p:nvSpPr>
-          <p:cNvPr id="133122" name="Rectangle 2"/>
-          <p:cNvSpPr>
-            <a:spLocks noGrp="1" noChangeArrowheads="1"/>
-          </p:cNvSpPr>
-          <p:nvPr>
-            <p:ph type="hdr" sz="quarter"/>
-          </p:nvPr>
-        </p:nvSpPr>
-        <p:spPr>
-          <a:noFill/>
-          <a:ln/>
-          <a:extLst>
-            <a:ext uri="{909E8E84-426E-40DD-AFC4-6F175D3DCCD1}">
-              <a14:hiddenFill xmlns:a14="http://schemas.microsoft.com/office/drawing/2010/main">
-                <a:solidFill>
-                  <a:srgbClr val="FFFFFF"/>
-                </a:solidFill>
-              </a14:hiddenFill>
-            </a:ext>
-            <a:ext uri="{91240B29-F687-4F45-9708-019B960494DF}">
-              <a14:hiddenLine xmlns:a14="http://schemas.microsoft.com/office/drawing/2010/main" w="9525">
-                <a:solidFill>
-                  <a:srgbClr val="000000"/>
-                </a:solidFill>
-                <a:miter lim="800000"/>
-                <a:headEnd/>
-                <a:tailEnd/>
-              </a14:hiddenLine>
-            </a:ext>
-          </a:extLst>
-        </p:spPr>
-        <p:txBody>
-          <a:bodyPr/>
-          <a:lstStyle>
-            <a:lvl1pPr defTabSz="966788">
-              <a:defRPr>
-                <a:solidFill>
-                  <a:schemeClr val="tx1"/>
-                </a:solidFill>
-                <a:latin typeface="Arial" charset="0"/>
-              </a:defRPr>
-            </a:lvl1pPr>
-            <a:lvl2pPr marL="742950" indent="-285750" defTabSz="966788">
-              <a:defRPr>
-                <a:solidFill>
-                  <a:schemeClr val="tx1"/>
-                </a:solidFill>
-                <a:latin typeface="Arial" charset="0"/>
-              </a:defRPr>
-            </a:lvl2pPr>
-            <a:lvl3pPr marL="1143000" indent="-228600" defTabSz="966788">
-              <a:defRPr>
-                <a:solidFill>
-                  <a:schemeClr val="tx1"/>
-                </a:solidFill>
-                <a:latin typeface="Arial" charset="0"/>
-              </a:defRPr>
-            </a:lvl3pPr>
-            <a:lvl4pPr marL="1600200" indent="-228600" defTabSz="966788">
-              <a:defRPr>
-                <a:solidFill>
-                  <a:schemeClr val="tx1"/>
-                </a:solidFill>
-                <a:latin typeface="Arial" charset="0"/>
-              </a:defRPr>
-            </a:lvl4pPr>
-            <a:lvl5pPr marL="2057400" indent="-228600" defTabSz="966788">
-              <a:defRPr>
-                <a:solidFill>
-                  <a:schemeClr val="tx1"/>
-                </a:solidFill>
-                <a:latin typeface="Arial" charset="0"/>
-              </a:defRPr>
-            </a:lvl5pPr>
-            <a:lvl6pPr marL="2514600" indent="-228600" defTabSz="966788" eaLnBrk="0" fontAlgn="base" hangingPunct="0">
-              <a:spcBef>
-                <a:spcPct val="0"/>
-              </a:spcBef>
-              <a:spcAft>
-                <a:spcPct val="0"/>
-              </a:spcAft>
-              <a:defRPr>
-                <a:solidFill>
-                  <a:schemeClr val="tx1"/>
-                </a:solidFill>
-                <a:latin typeface="Arial" charset="0"/>
-              </a:defRPr>
-            </a:lvl6pPr>
-            <a:lvl7pPr marL="2971800" indent="-228600" defTabSz="966788" eaLnBrk="0" fontAlgn="base" hangingPunct="0">
-              <a:spcBef>
-                <a:spcPct val="0"/>
-              </a:spcBef>
-              <a:spcAft>
-                <a:spcPct val="0"/>
-              </a:spcAft>
-              <a:defRPr>
-                <a:solidFill>
-                  <a:schemeClr val="tx1"/>
-                </a:solidFill>
-                <a:latin typeface="Arial" charset="0"/>
-              </a:defRPr>
-            </a:lvl7pPr>
-            <a:lvl8pPr marL="3429000" indent="-228600" defTabSz="966788" eaLnBrk="0" fontAlgn="base" hangingPunct="0">
-              <a:spcBef>
-                <a:spcPct val="0"/>
-              </a:spcBef>
-              <a:spcAft>
-                <a:spcPct val="0"/>
-              </a:spcAft>
-              <a:defRPr>
-                <a:solidFill>
-                  <a:schemeClr val="tx1"/>
-                </a:solidFill>
-                <a:latin typeface="Arial" charset="0"/>
-              </a:defRPr>
-            </a:lvl8pPr>
-            <a:lvl9pPr marL="3886200" indent="-228600" defTabSz="966788" eaLnBrk="0" fontAlgn="base" hangingPunct="0">
-              <a:spcBef>
-                <a:spcPct val="0"/>
-              </a:spcBef>
-              <a:spcAft>
-                <a:spcPct val="0"/>
-              </a:spcAft>
-              <a:defRPr>
-                <a:solidFill>
-                  <a:schemeClr val="tx1"/>
-                </a:solidFill>
-                <a:latin typeface="Arial" charset="0"/>
-              </a:defRPr>
-            </a:lvl9pPr>
-          </a:lstStyle>
-          <a:p>
-            <a:r>
-              <a:rPr lang="en-US" altLang="en-US">
-                <a:latin typeface="Times New Roman" charset="0"/>
-              </a:rPr>
-              <a:t>The University of Adelaide, School of Computer Science</a:t>
-            </a:r>
-          </a:p>
-        </p:txBody>
-      </p:sp>
-      <p:sp>
-        <p:nvSpPr>
-          <p:cNvPr id="133123" name="Rectangle 3"/>
-          <p:cNvSpPr>
-            <a:spLocks noGrp="1" noChangeArrowheads="1"/>
-          </p:cNvSpPr>
-          <p:nvPr>
-            <p:ph type="dt" sz="quarter" idx="1"/>
-          </p:nvPr>
-        </p:nvSpPr>
-        <p:spPr>
-          <a:noFill/>
-          <a:ln/>
-          <a:extLst>
-            <a:ext uri="{909E8E84-426E-40DD-AFC4-6F175D3DCCD1}">
-              <a14:hiddenFill xmlns:a14="http://schemas.microsoft.com/office/drawing/2010/main">
-                <a:solidFill>
-                  <a:srgbClr val="FFFFFF"/>
-                </a:solidFill>
-              </a14:hiddenFill>
-            </a:ext>
-            <a:ext uri="{91240B29-F687-4F45-9708-019B960494DF}">
-              <a14:hiddenLine xmlns:a14="http://schemas.microsoft.com/office/drawing/2010/main" w="9525">
-                <a:solidFill>
-                  <a:srgbClr val="000000"/>
-                </a:solidFill>
-                <a:miter lim="800000"/>
-                <a:headEnd/>
-                <a:tailEnd/>
-              </a14:hiddenLine>
-            </a:ext>
-          </a:extLst>
-        </p:spPr>
-        <p:txBody>
-          <a:bodyPr/>
-          <a:lstStyle>
-            <a:lvl1pPr defTabSz="966788">
-              <a:defRPr>
-                <a:solidFill>
-                  <a:schemeClr val="tx1"/>
-                </a:solidFill>
-                <a:latin typeface="Arial" charset="0"/>
-              </a:defRPr>
-            </a:lvl1pPr>
-            <a:lvl2pPr marL="742950" indent="-285750" defTabSz="966788">
-              <a:defRPr>
-                <a:solidFill>
-                  <a:schemeClr val="tx1"/>
-                </a:solidFill>
-                <a:latin typeface="Arial" charset="0"/>
-              </a:defRPr>
-            </a:lvl2pPr>
-            <a:lvl3pPr marL="1143000" indent="-228600" defTabSz="966788">
-              <a:defRPr>
-                <a:solidFill>
-                  <a:schemeClr val="tx1"/>
-                </a:solidFill>
-                <a:latin typeface="Arial" charset="0"/>
-              </a:defRPr>
-            </a:lvl3pPr>
-            <a:lvl4pPr marL="1600200" indent="-228600" defTabSz="966788">
-              <a:defRPr>
-                <a:solidFill>
-                  <a:schemeClr val="tx1"/>
-                </a:solidFill>
-                <a:latin typeface="Arial" charset="0"/>
-              </a:defRPr>
-            </a:lvl4pPr>
-            <a:lvl5pPr marL="2057400" indent="-228600" defTabSz="966788">
-              <a:defRPr>
-                <a:solidFill>
-                  <a:schemeClr val="tx1"/>
-                </a:solidFill>
-                <a:latin typeface="Arial" charset="0"/>
-              </a:defRPr>
-            </a:lvl5pPr>
-            <a:lvl6pPr marL="2514600" indent="-228600" defTabSz="966788" eaLnBrk="0" fontAlgn="base" hangingPunct="0">
-              <a:spcBef>
-                <a:spcPct val="0"/>
-              </a:spcBef>
-              <a:spcAft>
-                <a:spcPct val="0"/>
-              </a:spcAft>
-              <a:defRPr>
-                <a:solidFill>
-                  <a:schemeClr val="tx1"/>
-                </a:solidFill>
-                <a:latin typeface="Arial" charset="0"/>
-              </a:defRPr>
-            </a:lvl6pPr>
-            <a:lvl7pPr marL="2971800" indent="-228600" defTabSz="966788" eaLnBrk="0" fontAlgn="base" hangingPunct="0">
-              <a:spcBef>
-                <a:spcPct val="0"/>
-              </a:spcBef>
-              <a:spcAft>
-                <a:spcPct val="0"/>
-              </a:spcAft>
-              <a:defRPr>
-                <a:solidFill>
-                  <a:schemeClr val="tx1"/>
-                </a:solidFill>
-                <a:latin typeface="Arial" charset="0"/>
-              </a:defRPr>
-            </a:lvl7pPr>
-            <a:lvl8pPr marL="3429000" indent="-228600" defTabSz="966788" eaLnBrk="0" fontAlgn="base" hangingPunct="0">
-              <a:spcBef>
-                <a:spcPct val="0"/>
-              </a:spcBef>
-              <a:spcAft>
-                <a:spcPct val="0"/>
-              </a:spcAft>
-              <a:defRPr>
-                <a:solidFill>
-                  <a:schemeClr val="tx1"/>
-                </a:solidFill>
-                <a:latin typeface="Arial" charset="0"/>
-              </a:defRPr>
-            </a:lvl8pPr>
-            <a:lvl9pPr marL="3886200" indent="-228600" defTabSz="966788" eaLnBrk="0" fontAlgn="base" hangingPunct="0">
-              <a:spcBef>
-                <a:spcPct val="0"/>
-              </a:spcBef>
-              <a:spcAft>
-                <a:spcPct val="0"/>
-              </a:spcAft>
-              <a:defRPr>
-                <a:solidFill>
-                  <a:schemeClr val="tx1"/>
-                </a:solidFill>
-                <a:latin typeface="Arial" charset="0"/>
-              </a:defRPr>
-            </a:lvl9pPr>
-          </a:lstStyle>
-          <a:p>
-            <a:fld id="{74761847-0E60-D946-8AC2-FE307BBC5D1A}" type="datetime3">
-              <a:rPr lang="en-US" altLang="en-US">
-                <a:latin typeface="Times New Roman" charset="0"/>
-              </a:rPr>
-              <a:pPr/>
-              <a:t>13 September 2018</a:t>
-            </a:fld>
-            <a:endParaRPr lang="en-US" altLang="en-US">
-              <a:latin typeface="Times New Roman" charset="0"/>
-            </a:endParaRPr>
-          </a:p>
-        </p:txBody>
-      </p:sp>
-      <p:sp>
-        <p:nvSpPr>
-          <p:cNvPr id="133124" name="Rectangle 6"/>
-          <p:cNvSpPr>
-            <a:spLocks noGrp="1" noChangeArrowheads="1"/>
-          </p:cNvSpPr>
-          <p:nvPr>
-            <p:ph type="ftr" sz="quarter" idx="4"/>
-          </p:nvPr>
-        </p:nvSpPr>
-        <p:spPr>
-          <a:noFill/>
-          <a:ln/>
-          <a:extLst>
-            <a:ext uri="{909E8E84-426E-40DD-AFC4-6F175D3DCCD1}">
-              <a14:hiddenFill xmlns:a14="http://schemas.microsoft.com/office/drawing/2010/main">
-                <a:solidFill>
-                  <a:srgbClr val="FFFFFF"/>
-                </a:solidFill>
-              </a14:hiddenFill>
-            </a:ext>
-            <a:ext uri="{91240B29-F687-4F45-9708-019B960494DF}">
-              <a14:hiddenLine xmlns:a14="http://schemas.microsoft.com/office/drawing/2010/main" w="9525">
-                <a:solidFill>
-                  <a:srgbClr val="000000"/>
-                </a:solidFill>
-                <a:miter lim="800000"/>
-                <a:headEnd/>
-                <a:tailEnd/>
-              </a14:hiddenLine>
-            </a:ext>
-          </a:extLst>
-        </p:spPr>
-        <p:txBody>
-          <a:bodyPr/>
-          <a:lstStyle>
-            <a:lvl1pPr defTabSz="966788">
-              <a:defRPr>
-                <a:solidFill>
-                  <a:schemeClr val="tx1"/>
-                </a:solidFill>
-                <a:latin typeface="Arial" charset="0"/>
-              </a:defRPr>
-            </a:lvl1pPr>
-            <a:lvl2pPr marL="742950" indent="-285750" defTabSz="966788">
-              <a:defRPr>
-                <a:solidFill>
-                  <a:schemeClr val="tx1"/>
-                </a:solidFill>
-                <a:latin typeface="Arial" charset="0"/>
-              </a:defRPr>
-            </a:lvl2pPr>
-            <a:lvl3pPr marL="1143000" indent="-228600" defTabSz="966788">
-              <a:defRPr>
-                <a:solidFill>
-                  <a:schemeClr val="tx1"/>
-                </a:solidFill>
-                <a:latin typeface="Arial" charset="0"/>
-              </a:defRPr>
-            </a:lvl3pPr>
-            <a:lvl4pPr marL="1600200" indent="-228600" defTabSz="966788">
-              <a:defRPr>
-                <a:solidFill>
-                  <a:schemeClr val="tx1"/>
-                </a:solidFill>
-                <a:latin typeface="Arial" charset="0"/>
-              </a:defRPr>
-            </a:lvl4pPr>
-            <a:lvl5pPr marL="2057400" indent="-228600" defTabSz="966788">
-              <a:defRPr>
-                <a:solidFill>
-                  <a:schemeClr val="tx1"/>
-                </a:solidFill>
-                <a:latin typeface="Arial" charset="0"/>
-              </a:defRPr>
-            </a:lvl5pPr>
-            <a:lvl6pPr marL="2514600" indent="-228600" defTabSz="966788" eaLnBrk="0" fontAlgn="base" hangingPunct="0">
-              <a:spcBef>
-                <a:spcPct val="0"/>
-              </a:spcBef>
-              <a:spcAft>
-                <a:spcPct val="0"/>
-              </a:spcAft>
-              <a:defRPr>
-                <a:solidFill>
-                  <a:schemeClr val="tx1"/>
-                </a:solidFill>
-                <a:latin typeface="Arial" charset="0"/>
-              </a:defRPr>
-            </a:lvl6pPr>
-            <a:lvl7pPr marL="2971800" indent="-228600" defTabSz="966788" eaLnBrk="0" fontAlgn="base" hangingPunct="0">
-              <a:spcBef>
-                <a:spcPct val="0"/>
-              </a:spcBef>
-              <a:spcAft>
-                <a:spcPct val="0"/>
-              </a:spcAft>
-              <a:defRPr>
-                <a:solidFill>
-                  <a:schemeClr val="tx1"/>
-                </a:solidFill>
-                <a:latin typeface="Arial" charset="0"/>
-              </a:defRPr>
-            </a:lvl7pPr>
-            <a:lvl8pPr marL="3429000" indent="-228600" defTabSz="966788" eaLnBrk="0" fontAlgn="base" hangingPunct="0">
-              <a:spcBef>
-                <a:spcPct val="0"/>
-              </a:spcBef>
-              <a:spcAft>
-                <a:spcPct val="0"/>
-              </a:spcAft>
-              <a:defRPr>
-                <a:solidFill>
-                  <a:schemeClr val="tx1"/>
-                </a:solidFill>
-                <a:latin typeface="Arial" charset="0"/>
-              </a:defRPr>
-            </a:lvl8pPr>
-            <a:lvl9pPr marL="3886200" indent="-228600" defTabSz="966788" eaLnBrk="0" fontAlgn="base" hangingPunct="0">
-              <a:spcBef>
-                <a:spcPct val="0"/>
-              </a:spcBef>
-              <a:spcAft>
-                <a:spcPct val="0"/>
-              </a:spcAft>
-              <a:defRPr>
-                <a:solidFill>
-                  <a:schemeClr val="tx1"/>
-                </a:solidFill>
-                <a:latin typeface="Arial" charset="0"/>
-              </a:defRPr>
-            </a:lvl9pPr>
-          </a:lstStyle>
-          <a:p>
-            <a:r>
-              <a:rPr lang="en-US" altLang="en-US">
-                <a:latin typeface="Times New Roman" charset="0"/>
-              </a:rPr>
-              <a:t>Chapter 2 — Instructions: Language of the Computer</a:t>
-            </a:r>
-          </a:p>
-        </p:txBody>
-      </p:sp>
-      <p:sp>
-        <p:nvSpPr>
-          <p:cNvPr id="133125" name="Rectangle 7"/>
-          <p:cNvSpPr>
-            <a:spLocks noGrp="1" noChangeArrowheads="1"/>
-          </p:cNvSpPr>
-          <p:nvPr>
-            <p:ph type="sldNum" sz="quarter" idx="5"/>
-          </p:nvPr>
-        </p:nvSpPr>
-        <p:spPr>
-          <a:noFill/>
-          <a:ln/>
-          <a:extLst>
-            <a:ext uri="{909E8E84-426E-40DD-AFC4-6F175D3DCCD1}">
-              <a14:hiddenFill xmlns:a14="http://schemas.microsoft.com/office/drawing/2010/main">
-                <a:solidFill>
-                  <a:srgbClr val="FFFFFF"/>
-                </a:solidFill>
-              </a14:hiddenFill>
-            </a:ext>
-            <a:ext uri="{91240B29-F687-4F45-9708-019B960494DF}">
-              <a14:hiddenLine xmlns:a14="http://schemas.microsoft.com/office/drawing/2010/main" w="9525">
-                <a:solidFill>
-                  <a:srgbClr val="000000"/>
-                </a:solidFill>
-                <a:miter lim="800000"/>
-                <a:headEnd/>
-                <a:tailEnd/>
-              </a14:hiddenLine>
-            </a:ext>
-          </a:extLst>
-        </p:spPr>
-        <p:txBody>
-          <a:bodyPr/>
-          <a:lstStyle>
-            <a:lvl1pPr defTabSz="966788">
-              <a:defRPr>
-                <a:solidFill>
-                  <a:schemeClr val="tx1"/>
-                </a:solidFill>
-                <a:latin typeface="Arial" charset="0"/>
-              </a:defRPr>
-            </a:lvl1pPr>
-            <a:lvl2pPr marL="742950" indent="-285750" defTabSz="966788">
-              <a:defRPr>
-                <a:solidFill>
-                  <a:schemeClr val="tx1"/>
-                </a:solidFill>
-                <a:latin typeface="Arial" charset="0"/>
-              </a:defRPr>
-            </a:lvl2pPr>
-            <a:lvl3pPr marL="1143000" indent="-228600" defTabSz="966788">
-              <a:defRPr>
-                <a:solidFill>
-                  <a:schemeClr val="tx1"/>
-                </a:solidFill>
-                <a:latin typeface="Arial" charset="0"/>
-              </a:defRPr>
-            </a:lvl3pPr>
-            <a:lvl4pPr marL="1600200" indent="-228600" defTabSz="966788">
-              <a:defRPr>
-                <a:solidFill>
-                  <a:schemeClr val="tx1"/>
-                </a:solidFill>
-                <a:latin typeface="Arial" charset="0"/>
-              </a:defRPr>
-            </a:lvl4pPr>
-            <a:lvl5pPr marL="2057400" indent="-228600" defTabSz="966788">
-              <a:defRPr>
-                <a:solidFill>
-                  <a:schemeClr val="tx1"/>
-                </a:solidFill>
-                <a:latin typeface="Arial" charset="0"/>
-              </a:defRPr>
-            </a:lvl5pPr>
-            <a:lvl6pPr marL="2514600" indent="-228600" defTabSz="966788" eaLnBrk="0" fontAlgn="base" hangingPunct="0">
-              <a:spcBef>
-                <a:spcPct val="0"/>
-              </a:spcBef>
-              <a:spcAft>
-                <a:spcPct val="0"/>
-              </a:spcAft>
-              <a:defRPr>
-                <a:solidFill>
-                  <a:schemeClr val="tx1"/>
-                </a:solidFill>
-                <a:latin typeface="Arial" charset="0"/>
-              </a:defRPr>
-            </a:lvl6pPr>
-            <a:lvl7pPr marL="2971800" indent="-228600" defTabSz="966788" eaLnBrk="0" fontAlgn="base" hangingPunct="0">
-              <a:spcBef>
-                <a:spcPct val="0"/>
-              </a:spcBef>
-              <a:spcAft>
-                <a:spcPct val="0"/>
-              </a:spcAft>
-              <a:defRPr>
-                <a:solidFill>
-                  <a:schemeClr val="tx1"/>
-                </a:solidFill>
-                <a:latin typeface="Arial" charset="0"/>
-              </a:defRPr>
-            </a:lvl7pPr>
-            <a:lvl8pPr marL="3429000" indent="-228600" defTabSz="966788" eaLnBrk="0" fontAlgn="base" hangingPunct="0">
-              <a:spcBef>
-                <a:spcPct val="0"/>
-              </a:spcBef>
-              <a:spcAft>
-                <a:spcPct val="0"/>
-              </a:spcAft>
-              <a:defRPr>
-                <a:solidFill>
-                  <a:schemeClr val="tx1"/>
-                </a:solidFill>
-                <a:latin typeface="Arial" charset="0"/>
-              </a:defRPr>
-            </a:lvl8pPr>
-            <a:lvl9pPr marL="3886200" indent="-228600" defTabSz="966788" eaLnBrk="0" fontAlgn="base" hangingPunct="0">
-              <a:spcBef>
-                <a:spcPct val="0"/>
-              </a:spcBef>
-              <a:spcAft>
-                <a:spcPct val="0"/>
-              </a:spcAft>
-              <a:defRPr>
-                <a:solidFill>
-                  <a:schemeClr val="tx1"/>
-                </a:solidFill>
-                <a:latin typeface="Arial" charset="0"/>
-              </a:defRPr>
-            </a:lvl9pPr>
-          </a:lstStyle>
-          <a:p>
-            <a:fld id="{28E3201C-2415-2C42-B786-B0381FCA0FA3}" type="slidenum">
-              <a:rPr lang="en-US" altLang="en-US">
-                <a:latin typeface="Times New Roman" charset="0"/>
-              </a:rPr>
-              <a:pPr/>
-              <a:t>23</a:t>
-            </a:fld>
-            <a:endParaRPr lang="en-US" altLang="en-US">
-              <a:latin typeface="Times New Roman" charset="0"/>
-            </a:endParaRPr>
-          </a:p>
-        </p:txBody>
-      </p:sp>
-      <p:sp>
-        <p:nvSpPr>
-          <p:cNvPr id="133126" name="Rectangle 2"/>
-          <p:cNvSpPr>
-            <a:spLocks noGrp="1" noRot="1" noChangeAspect="1" noChangeArrowheads="1" noTextEdit="1"/>
-          </p:cNvSpPr>
-          <p:nvPr>
-            <p:ph type="sldImg"/>
-          </p:nvPr>
-        </p:nvSpPr>
-        <p:spPr>
-          <a:ln/>
-        </p:spPr>
-      </p:sp>
-      <p:sp>
-        <p:nvSpPr>
-          <p:cNvPr id="133127" name="Rectangle 3"/>
-          <p:cNvSpPr>
-            <a:spLocks noGrp="1" noChangeArrowheads="1"/>
-          </p:cNvSpPr>
-          <p:nvPr>
-            <p:ph type="body" idx="1"/>
-          </p:nvPr>
-        </p:nvSpPr>
-        <p:spPr>
-          <a:noFill/>
-          <a:ln/>
-          <a:extLst>
-            <a:ext uri="{909E8E84-426E-40DD-AFC4-6F175D3DCCD1}">
-              <a14:hiddenFill xmlns:a14="http://schemas.microsoft.com/office/drawing/2010/main">
-                <a:solidFill>
-                  <a:srgbClr val="FFFFFF"/>
-                </a:solidFill>
-              </a14:hiddenFill>
-            </a:ext>
-            <a:ext uri="{91240B29-F687-4F45-9708-019B960494DF}">
-              <a14:hiddenLine xmlns:a14="http://schemas.microsoft.com/office/drawing/2010/main" w="9525">
-                <a:solidFill>
-                  <a:srgbClr val="000000"/>
-                </a:solidFill>
-                <a:miter lim="800000"/>
-                <a:headEnd/>
-                <a:tailEnd/>
-              </a14:hiddenLine>
-            </a:ext>
-            <a:ext uri="{FAA26D3D-D897-4be2-8F04-BA451C77F1D7}">
-              <ma14:placeholderFlag xmlns:ma14="http://schemas.microsoft.com/office/mac/drawingml/2011/main" xmlns="" val="1"/>
-            </a:ext>
-          </a:extLst>
-        </p:spPr>
-        <p:txBody>
-          <a:bodyPr/>
-          <a:lstStyle/>
-          <a:p>
-            <a:r>
-              <a:rPr lang="en-AU" altLang="en-US" dirty="0">
-                <a:latin typeface="Times New Roman" charset="0"/>
-              </a:rPr>
-              <a:t>add</a:t>
-            </a:r>
-            <a:r>
-              <a:rPr lang="en-AU" altLang="en-US" baseline="0" dirty="0">
-                <a:latin typeface="Times New Roman" charset="0"/>
-              </a:rPr>
-              <a:t> $s0, $zero, $zero</a:t>
-            </a:r>
-          </a:p>
-          <a:p>
-            <a:r>
-              <a:rPr lang="en-AU" altLang="en-US" baseline="0" dirty="0">
-                <a:latin typeface="Times New Roman" charset="0"/>
-              </a:rPr>
-              <a:t>Loop: 	</a:t>
-            </a:r>
-            <a:r>
-              <a:rPr lang="en-AU" altLang="en-US" baseline="0" dirty="0" err="1">
-                <a:latin typeface="Times New Roman" charset="0"/>
-              </a:rPr>
-              <a:t>slt</a:t>
-            </a:r>
-            <a:r>
-              <a:rPr lang="en-AU" altLang="en-US" baseline="0" dirty="0">
-                <a:latin typeface="Times New Roman" charset="0"/>
-              </a:rPr>
-              <a:t>  $t0, $s0, $s1</a:t>
-            </a:r>
-          </a:p>
-          <a:p>
-            <a:r>
-              <a:rPr lang="en-AU" altLang="en-US" baseline="0" dirty="0">
-                <a:latin typeface="Times New Roman" charset="0"/>
-              </a:rPr>
-              <a:t>	</a:t>
-            </a:r>
-            <a:r>
-              <a:rPr lang="en-AU" altLang="en-US" baseline="0">
-                <a:latin typeface="Times New Roman" charset="0"/>
-              </a:rPr>
-              <a:t>beq </a:t>
-            </a:r>
-            <a:r>
-              <a:rPr lang="en-AU" altLang="en-US" baseline="0" dirty="0">
-                <a:latin typeface="Times New Roman" charset="0"/>
-              </a:rPr>
-              <a:t>$t0, $zero, Exit</a:t>
-            </a:r>
-          </a:p>
-          <a:p>
-            <a:r>
-              <a:rPr lang="en-AU" altLang="en-US" baseline="0" dirty="0">
-                <a:latin typeface="Times New Roman" charset="0"/>
-              </a:rPr>
-              <a:t>	</a:t>
-            </a:r>
-            <a:r>
-              <a:rPr lang="en-AU" altLang="en-US" baseline="0" dirty="0" err="1">
-                <a:latin typeface="Times New Roman" charset="0"/>
-              </a:rPr>
-              <a:t>sll</a:t>
-            </a:r>
-            <a:r>
-              <a:rPr lang="en-AU" altLang="en-US" baseline="0" dirty="0">
-                <a:latin typeface="Times New Roman" charset="0"/>
-              </a:rPr>
-              <a:t> $t1, $s0, 2 # let’s us index v</a:t>
-            </a:r>
-          </a:p>
-          <a:p>
-            <a:r>
-              <a:rPr lang="en-AU" altLang="en-US" baseline="0" dirty="0">
-                <a:latin typeface="Times New Roman" charset="0"/>
-              </a:rPr>
-              <a:t>	add $t1, $t1, $s2</a:t>
-            </a:r>
-          </a:p>
-          <a:p>
-            <a:r>
-              <a:rPr lang="en-AU" altLang="en-US" baseline="0" dirty="0">
-                <a:latin typeface="Times New Roman" charset="0"/>
-              </a:rPr>
-              <a:t>	</a:t>
-            </a:r>
-            <a:r>
-              <a:rPr lang="en-AU" altLang="en-US" baseline="0" dirty="0" err="1">
-                <a:latin typeface="Times New Roman" charset="0"/>
-              </a:rPr>
-              <a:t>sw</a:t>
-            </a:r>
-            <a:r>
-              <a:rPr lang="en-AU" altLang="en-US" baseline="0" dirty="0">
-                <a:latin typeface="Times New Roman" charset="0"/>
-              </a:rPr>
-              <a:t> $zero, 0($t1)</a:t>
-            </a:r>
-          </a:p>
-          <a:p>
-            <a:r>
-              <a:rPr lang="en-AU" altLang="en-US" baseline="0" dirty="0">
-                <a:latin typeface="Times New Roman" charset="0"/>
-              </a:rPr>
-              <a:t>	j Loop</a:t>
-            </a:r>
-          </a:p>
-          <a:p>
-            <a:r>
-              <a:rPr lang="en-AU" altLang="en-US" baseline="0" dirty="0">
-                <a:latin typeface="Times New Roman" charset="0"/>
-              </a:rPr>
-              <a:t>Exit:</a:t>
-            </a:r>
-            <a:endParaRPr lang="en-AU" altLang="en-US" dirty="0">
-              <a:latin typeface="Times New Roman" charset="0"/>
-            </a:endParaRPr>
-          </a:p>
-        </p:txBody>
-      </p:sp>
-    </p:spTree>
-    <p:extLst>
-      <p:ext uri="{BB962C8B-B14F-4D97-AF65-F5344CB8AC3E}">
-        <p14:creationId xmlns:p14="http://schemas.microsoft.com/office/powerpoint/2010/main" val="1882909981"/>
       </p:ext>
     </p:extLst>
   </p:cSld>
@@ -10939,7 +9387,7 @@
               <a:pPr>
                 <a:defRPr/>
               </a:pPr>
-              <a:t>September 13, 2018</a:t>
+              <a:t>September 14, 2018</a:t>
             </a:fld>
             <a:endParaRPr lang="en-US"/>
           </a:p>
@@ -11064,19 +9512,19 @@
           <a:p>
             <a:r>
               <a:rPr lang="en-US" baseline="0" dirty="0"/>
-              <a:t>100011 10000 01000 00000000 11000100 </a:t>
+              <a:t>100011 10000 01000 00000000 11001000 </a:t>
             </a:r>
           </a:p>
           <a:p>
             <a:r>
               <a:rPr lang="en-US" baseline="0" dirty="0"/>
-              <a:t>1000 1110 0000 1000 0000 0000 1100 0100 </a:t>
+              <a:t>1000 1110 0000 1000 0000 0000 1100 1000 </a:t>
             </a:r>
           </a:p>
           <a:p>
             <a:r>
               <a:rPr lang="en-US" baseline="0" dirty="0"/>
-              <a:t>8e0800c4</a:t>
+              <a:t>8e0800c8</a:t>
             </a:r>
           </a:p>
           <a:p>
@@ -11132,7 +9580,7 @@
               <a:pPr>
                 <a:defRPr/>
               </a:pPr>
-              <a:t>September 13, 2018</a:t>
+              <a:t>September 14, 2018</a:t>
             </a:fld>
             <a:endParaRPr lang="en-US"/>
           </a:p>
@@ -11301,7 +9749,7 @@
               <a:pPr>
                 <a:defRPr/>
               </a:pPr>
-              <a:t>September 13, 2018</a:t>
+              <a:t>September 14, 2018</a:t>
             </a:fld>
             <a:endParaRPr lang="en-US"/>
           </a:p>
@@ -11673,7 +10121,7 @@
                 <a:latin typeface="Times New Roman" charset="0"/>
               </a:rPr>
               <a:pPr/>
-              <a:t>13 September 2018</a:t>
+              <a:t>14 September 2018</a:t>
             </a:fld>
             <a:endParaRPr lang="en-US" altLang="en-US">
               <a:latin typeface="Times New Roman" charset="0"/>
@@ -12017,7 +10465,7 @@
               </a14:hiddenLine>
             </a:ext>
             <a:ext uri="{FAA26D3D-D897-4be2-8F04-BA451C77F1D7}">
-              <ma14:placeholderFlag xmlns:ma14="http://schemas.microsoft.com/office/mac/drawingml/2011/main" xmlns="" val="1"/>
+              <ma14:placeholderFlag xmlns="" xmlns:ma14="http://schemas.microsoft.com/office/mac/drawingml/2011/main" val="1"/>
             </a:ext>
           </a:extLst>
         </p:spPr>
@@ -12346,7 +10794,7 @@
                 <a:latin typeface="Times New Roman" charset="0"/>
               </a:rPr>
               <a:pPr/>
-              <a:t>13 September 2018</a:t>
+              <a:t>14 September 2018</a:t>
             </a:fld>
             <a:endParaRPr lang="en-US" altLang="en-US">
               <a:latin typeface="Times New Roman" charset="0"/>
@@ -12690,7 +11138,7 @@
               </a14:hiddenLine>
             </a:ext>
             <a:ext uri="{FAA26D3D-D897-4be2-8F04-BA451C77F1D7}">
-              <ma14:placeholderFlag xmlns:ma14="http://schemas.microsoft.com/office/mac/drawingml/2011/main" xmlns="" val="1"/>
+              <ma14:placeholderFlag xmlns="" xmlns:ma14="http://schemas.microsoft.com/office/mac/drawingml/2011/main" val="1"/>
             </a:ext>
           </a:extLst>
         </p:spPr>
@@ -13019,7 +11467,7 @@
                 <a:latin typeface="Times New Roman" charset="0"/>
               </a:rPr>
               <a:pPr/>
-              <a:t>13 September 2018</a:t>
+              <a:t>14 September 2018</a:t>
             </a:fld>
             <a:endParaRPr lang="en-US" altLang="en-US">
               <a:latin typeface="Times New Roman" charset="0"/>
@@ -13363,7 +11811,7 @@
               </a14:hiddenLine>
             </a:ext>
             <a:ext uri="{FAA26D3D-D897-4be2-8F04-BA451C77F1D7}">
-              <ma14:placeholderFlag xmlns:ma14="http://schemas.microsoft.com/office/mac/drawingml/2011/main" xmlns="" val="1"/>
+              <ma14:placeholderFlag xmlns="" xmlns:ma14="http://schemas.microsoft.com/office/mac/drawingml/2011/main" val="1"/>
             </a:ext>
           </a:extLst>
         </p:spPr>
@@ -13723,7 +12171,7 @@
                 <a:latin typeface="Times New Roman" charset="0"/>
               </a:rPr>
               <a:pPr/>
-              <a:t>13 September 2018</a:t>
+              <a:t>14 September 2018</a:t>
             </a:fld>
             <a:endParaRPr lang="en-US" altLang="en-US">
               <a:latin typeface="Times New Roman" charset="0"/>
@@ -14067,7 +12515,7 @@
               </a14:hiddenLine>
             </a:ext>
             <a:ext uri="{FAA26D3D-D897-4be2-8F04-BA451C77F1D7}">
-              <ma14:placeholderFlag xmlns:ma14="http://schemas.microsoft.com/office/mac/drawingml/2011/main" xmlns="" val="1"/>
+              <ma14:placeholderFlag xmlns="" xmlns:ma14="http://schemas.microsoft.com/office/mac/drawingml/2011/main" val="1"/>
             </a:ext>
           </a:extLst>
         </p:spPr>
@@ -18446,7 +16894,7 @@
               </a14:hiddenLine>
             </a:ext>
             <a:ext uri="{FAA26D3D-D897-4be2-8F04-BA451C77F1D7}">
-              <ma14:placeholderFlag xmlns="" xmlns:ma14="http://schemas.microsoft.com/office/mac/drawingml/2011/main" val="1"/>
+              <ma14:placeholderFlag xmlns:ma14="http://schemas.microsoft.com/office/mac/drawingml/2011/main" xmlns="" val="1"/>
             </a:ext>
           </a:extLst>
         </p:spPr>
@@ -18508,7 +16956,7 @@
               </a14:hiddenLine>
             </a:ext>
             <a:ext uri="{FAA26D3D-D897-4be2-8F04-BA451C77F1D7}">
-              <ma14:placeholderFlag xmlns="" xmlns:ma14="http://schemas.microsoft.com/office/mac/drawingml/2011/main" val="1"/>
+              <ma14:placeholderFlag xmlns:ma14="http://schemas.microsoft.com/office/mac/drawingml/2011/main" xmlns="" val="1"/>
             </a:ext>
           </a:extLst>
         </p:spPr>
@@ -23031,15 +21479,7 @@
             </a:r>
             <a:r>
               <a:rPr lang="en-US" altLang="en-US" dirty="0"/>
-              <a:t> in $s3,  </a:t>
-            </a:r>
-            <a:r>
-              <a:rPr lang="en-US" altLang="en-US" dirty="0" err="1"/>
-              <a:t>nin</a:t>
-            </a:r>
-            <a:r>
-              <a:rPr lang="en-US" altLang="en-US" dirty="0"/>
-              <a:t> $s5</a:t>
+              <a:t> in $s3,  n in $s5</a:t>
             </a:r>
           </a:p>
           <a:p>
@@ -23077,7 +21517,7 @@
               <a:rPr lang="en-US" altLang="en-US" sz="2800" dirty="0" err="1">
                 <a:latin typeface="Lucida Console" charset="0"/>
               </a:rPr>
-              <a:t>bne</a:t>
+              <a:t>beq</a:t>
             </a:r>
             <a:r>
               <a:rPr lang="en-US" altLang="en-US" sz="2800" dirty="0">
@@ -30020,598 +28460,6 @@
     <p:extLst>
       <p:ext uri="{BB962C8B-B14F-4D97-AF65-F5344CB8AC3E}">
         <p14:creationId xmlns:p14="http://schemas.microsoft.com/office/powerpoint/2010/main" val="3755189073"/>
-      </p:ext>
-    </p:extLst>
-  </p:cSld>
-  <p:clrMapOvr>
-    <a:masterClrMapping/>
-  </p:clrMapOvr>
-</p:sld>
-</file>
-
-<file path=ppt/slides/slide22.xml><?xml version="1.0" encoding="utf-8"?>
-<p:sld xmlns:a="http://schemas.openxmlformats.org/drawingml/2006/main" xmlns:r="http://schemas.openxmlformats.org/officeDocument/2006/relationships" xmlns:p="http://schemas.openxmlformats.org/presentationml/2006/main">
-  <p:cSld>
-    <p:spTree>
-      <p:nvGrpSpPr>
-        <p:cNvPr id="1" name=""/>
-        <p:cNvGrpSpPr/>
-        <p:nvPr/>
-      </p:nvGrpSpPr>
-      <p:grpSpPr>
-        <a:xfrm>
-          <a:off x="0" y="0"/>
-          <a:ext cx="0" cy="0"/>
-          <a:chOff x="0" y="0"/>
-          <a:chExt cx="0" cy="0"/>
-        </a:xfrm>
-      </p:grpSpPr>
-      <p:sp>
-        <p:nvSpPr>
-          <p:cNvPr id="38914" name="Footer Placeholder 3"/>
-          <p:cNvSpPr>
-            <a:spLocks noGrp="1"/>
-          </p:cNvSpPr>
-          <p:nvPr>
-            <p:ph type="ftr" sz="quarter" idx="10"/>
-          </p:nvPr>
-        </p:nvSpPr>
-        <p:spPr>
-          <a:noFill/>
-          <a:ln/>
-          <a:extLst>
-            <a:ext uri="{909E8E84-426E-40DD-AFC4-6F175D3DCCD1}">
-              <a14:hiddenFill xmlns:a14="http://schemas.microsoft.com/office/drawing/2010/main">
-                <a:solidFill>
-                  <a:srgbClr val="FFFFFF"/>
-                </a:solidFill>
-              </a14:hiddenFill>
-            </a:ext>
-            <a:ext uri="{91240B29-F687-4F45-9708-019B960494DF}">
-              <a14:hiddenLine xmlns:a14="http://schemas.microsoft.com/office/drawing/2010/main" w="9525">
-                <a:solidFill>
-                  <a:srgbClr val="000000"/>
-                </a:solidFill>
-                <a:miter lim="800000"/>
-                <a:headEnd/>
-                <a:tailEnd/>
-              </a14:hiddenLine>
-            </a:ext>
-          </a:extLst>
-        </p:spPr>
-        <p:txBody>
-          <a:bodyPr/>
-          <a:lstStyle>
-            <a:lvl1pPr>
-              <a:defRPr>
-                <a:solidFill>
-                  <a:schemeClr val="tx1"/>
-                </a:solidFill>
-                <a:latin typeface="Arial" charset="0"/>
-              </a:defRPr>
-            </a:lvl1pPr>
-            <a:lvl2pPr marL="742950" indent="-285750">
-              <a:defRPr>
-                <a:solidFill>
-                  <a:schemeClr val="tx1"/>
-                </a:solidFill>
-                <a:latin typeface="Arial" charset="0"/>
-              </a:defRPr>
-            </a:lvl2pPr>
-            <a:lvl3pPr marL="1143000" indent="-228600">
-              <a:defRPr>
-                <a:solidFill>
-                  <a:schemeClr val="tx1"/>
-                </a:solidFill>
-                <a:latin typeface="Arial" charset="0"/>
-              </a:defRPr>
-            </a:lvl3pPr>
-            <a:lvl4pPr marL="1600200" indent="-228600">
-              <a:defRPr>
-                <a:solidFill>
-                  <a:schemeClr val="tx1"/>
-                </a:solidFill>
-                <a:latin typeface="Arial" charset="0"/>
-              </a:defRPr>
-            </a:lvl4pPr>
-            <a:lvl5pPr marL="2057400" indent="-228600">
-              <a:defRPr>
-                <a:solidFill>
-                  <a:schemeClr val="tx1"/>
-                </a:solidFill>
-                <a:latin typeface="Arial" charset="0"/>
-              </a:defRPr>
-            </a:lvl5pPr>
-            <a:lvl6pPr marL="2514600" indent="-228600" eaLnBrk="0" fontAlgn="base" hangingPunct="0">
-              <a:spcBef>
-                <a:spcPct val="0"/>
-              </a:spcBef>
-              <a:spcAft>
-                <a:spcPct val="0"/>
-              </a:spcAft>
-              <a:defRPr>
-                <a:solidFill>
-                  <a:schemeClr val="tx1"/>
-                </a:solidFill>
-                <a:latin typeface="Arial" charset="0"/>
-              </a:defRPr>
-            </a:lvl6pPr>
-            <a:lvl7pPr marL="2971800" indent="-228600" eaLnBrk="0" fontAlgn="base" hangingPunct="0">
-              <a:spcBef>
-                <a:spcPct val="0"/>
-              </a:spcBef>
-              <a:spcAft>
-                <a:spcPct val="0"/>
-              </a:spcAft>
-              <a:defRPr>
-                <a:solidFill>
-                  <a:schemeClr val="tx1"/>
-                </a:solidFill>
-                <a:latin typeface="Arial" charset="0"/>
-              </a:defRPr>
-            </a:lvl7pPr>
-            <a:lvl8pPr marL="3429000" indent="-228600" eaLnBrk="0" fontAlgn="base" hangingPunct="0">
-              <a:spcBef>
-                <a:spcPct val="0"/>
-              </a:spcBef>
-              <a:spcAft>
-                <a:spcPct val="0"/>
-              </a:spcAft>
-              <a:defRPr>
-                <a:solidFill>
-                  <a:schemeClr val="tx1"/>
-                </a:solidFill>
-                <a:latin typeface="Arial" charset="0"/>
-              </a:defRPr>
-            </a:lvl8pPr>
-            <a:lvl9pPr marL="3886200" indent="-228600" eaLnBrk="0" fontAlgn="base" hangingPunct="0">
-              <a:spcBef>
-                <a:spcPct val="0"/>
-              </a:spcBef>
-              <a:spcAft>
-                <a:spcPct val="0"/>
-              </a:spcAft>
-              <a:defRPr>
-                <a:solidFill>
-                  <a:schemeClr val="tx1"/>
-                </a:solidFill>
-                <a:latin typeface="Arial" charset="0"/>
-              </a:defRPr>
-            </a:lvl9pPr>
-          </a:lstStyle>
-          <a:p>
-            <a:r>
-              <a:rPr lang="en-AU" altLang="en-US"/>
-              <a:t>Chapter 2 — Instructions: Language of the Computer — </a:t>
-            </a:r>
-            <a:fld id="{08F9A71B-180D-E249-ADBA-A45A8EB01BBD}" type="slidenum">
-              <a:rPr lang="en-AU" altLang="en-US"/>
-              <a:pPr/>
-              <a:t>22</a:t>
-            </a:fld>
-            <a:endParaRPr lang="en-AU" altLang="en-US"/>
-          </a:p>
-        </p:txBody>
-      </p:sp>
-      <p:sp>
-        <p:nvSpPr>
-          <p:cNvPr id="38915" name="Rectangle 2"/>
-          <p:cNvSpPr>
-            <a:spLocks noGrp="1" noChangeArrowheads="1"/>
-          </p:cNvSpPr>
-          <p:nvPr>
-            <p:ph type="title"/>
-          </p:nvPr>
-        </p:nvSpPr>
-        <p:spPr/>
-        <p:txBody>
-          <a:bodyPr/>
-          <a:lstStyle/>
-          <a:p>
-            <a:pPr eaLnBrk="1" hangingPunct="1"/>
-            <a:r>
-              <a:rPr lang="en-AU" altLang="en-US" dirty="0"/>
-              <a:t>Exercise</a:t>
-            </a:r>
-          </a:p>
-        </p:txBody>
-      </p:sp>
-      <p:sp>
-        <p:nvSpPr>
-          <p:cNvPr id="38916" name="Rectangle 3"/>
-          <p:cNvSpPr>
-            <a:spLocks noGrp="1" noChangeArrowheads="1"/>
-          </p:cNvSpPr>
-          <p:nvPr>
-            <p:ph type="body" idx="1"/>
-          </p:nvPr>
-        </p:nvSpPr>
-        <p:spPr/>
-        <p:txBody>
-          <a:bodyPr/>
-          <a:lstStyle/>
-          <a:p>
-            <a:pPr eaLnBrk="1" hangingPunct="1"/>
-            <a:r>
-              <a:rPr lang="en-US" altLang="en-US" dirty="0"/>
-              <a:t>C code:</a:t>
-            </a:r>
-          </a:p>
-          <a:p>
-            <a:pPr marL="0" indent="0" eaLnBrk="1" hangingPunct="1">
-              <a:buNone/>
-            </a:pPr>
-            <a:r>
-              <a:rPr lang="en-US" altLang="en-US" dirty="0">
-                <a:latin typeface="Lucida Console" charset="0"/>
-              </a:rPr>
-              <a:t>if (x &gt; y)</a:t>
-            </a:r>
-          </a:p>
-          <a:p>
-            <a:pPr marL="0" indent="0" eaLnBrk="1" hangingPunct="1">
-              <a:buNone/>
-            </a:pPr>
-            <a:r>
-              <a:rPr lang="en-US" altLang="en-US" dirty="0">
-                <a:latin typeface="Lucida Console" charset="0"/>
-              </a:rPr>
-              <a:t>	x--;</a:t>
-            </a:r>
-          </a:p>
-          <a:p>
-            <a:pPr marL="0" indent="0" eaLnBrk="1" hangingPunct="1">
-              <a:buNone/>
-            </a:pPr>
-            <a:r>
-              <a:rPr lang="en-US" altLang="en-US" dirty="0">
-                <a:latin typeface="Lucida Console" charset="0"/>
-              </a:rPr>
-              <a:t>Else</a:t>
-            </a:r>
-          </a:p>
-          <a:p>
-            <a:pPr marL="0" indent="0" eaLnBrk="1" hangingPunct="1">
-              <a:buNone/>
-            </a:pPr>
-            <a:r>
-              <a:rPr lang="en-US" altLang="en-US" dirty="0">
-                <a:latin typeface="Lucida Console" charset="0"/>
-              </a:rPr>
-              <a:t>	x = y--</a:t>
-            </a:r>
-          </a:p>
-          <a:p>
-            <a:pPr eaLnBrk="1" hangingPunct="1"/>
-            <a:r>
-              <a:rPr lang="en-US" altLang="en-US" dirty="0"/>
-              <a:t>What does the MIPS assembly look like?</a:t>
-            </a:r>
-          </a:p>
-          <a:p>
-            <a:pPr lvl="1" eaLnBrk="1" hangingPunct="1"/>
-            <a:r>
-              <a:rPr lang="en-US" altLang="en-US" dirty="0"/>
-              <a:t>x in $s0, y in $s1</a:t>
-            </a:r>
-          </a:p>
-        </p:txBody>
-      </p:sp>
-    </p:spTree>
-    <p:extLst>
-      <p:ext uri="{BB962C8B-B14F-4D97-AF65-F5344CB8AC3E}">
-        <p14:creationId xmlns:p14="http://schemas.microsoft.com/office/powerpoint/2010/main" val="946865151"/>
-      </p:ext>
-    </p:extLst>
-  </p:cSld>
-  <p:clrMapOvr>
-    <a:masterClrMapping/>
-  </p:clrMapOvr>
-</p:sld>
-</file>
-
-<file path=ppt/slides/slide23.xml><?xml version="1.0" encoding="utf-8"?>
-<p:sld xmlns:a="http://schemas.openxmlformats.org/drawingml/2006/main" xmlns:r="http://schemas.openxmlformats.org/officeDocument/2006/relationships" xmlns:p="http://schemas.openxmlformats.org/presentationml/2006/main">
-  <p:cSld>
-    <p:spTree>
-      <p:nvGrpSpPr>
-        <p:cNvPr id="1" name=""/>
-        <p:cNvGrpSpPr/>
-        <p:nvPr/>
-      </p:nvGrpSpPr>
-      <p:grpSpPr>
-        <a:xfrm>
-          <a:off x="0" y="0"/>
-          <a:ext cx="0" cy="0"/>
-          <a:chOff x="0" y="0"/>
-          <a:chExt cx="0" cy="0"/>
-        </a:xfrm>
-      </p:grpSpPr>
-      <p:sp>
-        <p:nvSpPr>
-          <p:cNvPr id="38914" name="Footer Placeholder 3"/>
-          <p:cNvSpPr>
-            <a:spLocks noGrp="1"/>
-          </p:cNvSpPr>
-          <p:nvPr>
-            <p:ph type="ftr" sz="quarter" idx="10"/>
-          </p:nvPr>
-        </p:nvSpPr>
-        <p:spPr>
-          <a:noFill/>
-          <a:ln/>
-          <a:extLst>
-            <a:ext uri="{909E8E84-426E-40DD-AFC4-6F175D3DCCD1}">
-              <a14:hiddenFill xmlns:a14="http://schemas.microsoft.com/office/drawing/2010/main">
-                <a:solidFill>
-                  <a:srgbClr val="FFFFFF"/>
-                </a:solidFill>
-              </a14:hiddenFill>
-            </a:ext>
-            <a:ext uri="{91240B29-F687-4F45-9708-019B960494DF}">
-              <a14:hiddenLine xmlns:a14="http://schemas.microsoft.com/office/drawing/2010/main" w="9525">
-                <a:solidFill>
-                  <a:srgbClr val="000000"/>
-                </a:solidFill>
-                <a:miter lim="800000"/>
-                <a:headEnd/>
-                <a:tailEnd/>
-              </a14:hiddenLine>
-            </a:ext>
-          </a:extLst>
-        </p:spPr>
-        <p:txBody>
-          <a:bodyPr/>
-          <a:lstStyle>
-            <a:lvl1pPr>
-              <a:defRPr>
-                <a:solidFill>
-                  <a:schemeClr val="tx1"/>
-                </a:solidFill>
-                <a:latin typeface="Arial" charset="0"/>
-              </a:defRPr>
-            </a:lvl1pPr>
-            <a:lvl2pPr marL="742950" indent="-285750">
-              <a:defRPr>
-                <a:solidFill>
-                  <a:schemeClr val="tx1"/>
-                </a:solidFill>
-                <a:latin typeface="Arial" charset="0"/>
-              </a:defRPr>
-            </a:lvl2pPr>
-            <a:lvl3pPr marL="1143000" indent="-228600">
-              <a:defRPr>
-                <a:solidFill>
-                  <a:schemeClr val="tx1"/>
-                </a:solidFill>
-                <a:latin typeface="Arial" charset="0"/>
-              </a:defRPr>
-            </a:lvl3pPr>
-            <a:lvl4pPr marL="1600200" indent="-228600">
-              <a:defRPr>
-                <a:solidFill>
-                  <a:schemeClr val="tx1"/>
-                </a:solidFill>
-                <a:latin typeface="Arial" charset="0"/>
-              </a:defRPr>
-            </a:lvl4pPr>
-            <a:lvl5pPr marL="2057400" indent="-228600">
-              <a:defRPr>
-                <a:solidFill>
-                  <a:schemeClr val="tx1"/>
-                </a:solidFill>
-                <a:latin typeface="Arial" charset="0"/>
-              </a:defRPr>
-            </a:lvl5pPr>
-            <a:lvl6pPr marL="2514600" indent="-228600" eaLnBrk="0" fontAlgn="base" hangingPunct="0">
-              <a:spcBef>
-                <a:spcPct val="0"/>
-              </a:spcBef>
-              <a:spcAft>
-                <a:spcPct val="0"/>
-              </a:spcAft>
-              <a:defRPr>
-                <a:solidFill>
-                  <a:schemeClr val="tx1"/>
-                </a:solidFill>
-                <a:latin typeface="Arial" charset="0"/>
-              </a:defRPr>
-            </a:lvl6pPr>
-            <a:lvl7pPr marL="2971800" indent="-228600" eaLnBrk="0" fontAlgn="base" hangingPunct="0">
-              <a:spcBef>
-                <a:spcPct val="0"/>
-              </a:spcBef>
-              <a:spcAft>
-                <a:spcPct val="0"/>
-              </a:spcAft>
-              <a:defRPr>
-                <a:solidFill>
-                  <a:schemeClr val="tx1"/>
-                </a:solidFill>
-                <a:latin typeface="Arial" charset="0"/>
-              </a:defRPr>
-            </a:lvl7pPr>
-            <a:lvl8pPr marL="3429000" indent="-228600" eaLnBrk="0" fontAlgn="base" hangingPunct="0">
-              <a:spcBef>
-                <a:spcPct val="0"/>
-              </a:spcBef>
-              <a:spcAft>
-                <a:spcPct val="0"/>
-              </a:spcAft>
-              <a:defRPr>
-                <a:solidFill>
-                  <a:schemeClr val="tx1"/>
-                </a:solidFill>
-                <a:latin typeface="Arial" charset="0"/>
-              </a:defRPr>
-            </a:lvl8pPr>
-            <a:lvl9pPr marL="3886200" indent="-228600" eaLnBrk="0" fontAlgn="base" hangingPunct="0">
-              <a:spcBef>
-                <a:spcPct val="0"/>
-              </a:spcBef>
-              <a:spcAft>
-                <a:spcPct val="0"/>
-              </a:spcAft>
-              <a:defRPr>
-                <a:solidFill>
-                  <a:schemeClr val="tx1"/>
-                </a:solidFill>
-                <a:latin typeface="Arial" charset="0"/>
-              </a:defRPr>
-            </a:lvl9pPr>
-          </a:lstStyle>
-          <a:p>
-            <a:r>
-              <a:rPr lang="en-AU" altLang="en-US"/>
-              <a:t>Chapter 2 — Instructions: Language of the Computer — </a:t>
-            </a:r>
-            <a:fld id="{08F9A71B-180D-E249-ADBA-A45A8EB01BBD}" type="slidenum">
-              <a:rPr lang="en-AU" altLang="en-US"/>
-              <a:pPr/>
-              <a:t>23</a:t>
-            </a:fld>
-            <a:endParaRPr lang="en-AU" altLang="en-US"/>
-          </a:p>
-        </p:txBody>
-      </p:sp>
-      <p:sp>
-        <p:nvSpPr>
-          <p:cNvPr id="38915" name="Rectangle 2"/>
-          <p:cNvSpPr>
-            <a:spLocks noGrp="1" noChangeArrowheads="1"/>
-          </p:cNvSpPr>
-          <p:nvPr>
-            <p:ph type="title"/>
-          </p:nvPr>
-        </p:nvSpPr>
-        <p:spPr/>
-        <p:txBody>
-          <a:bodyPr/>
-          <a:lstStyle/>
-          <a:p>
-            <a:pPr eaLnBrk="1" hangingPunct="1"/>
-            <a:r>
-              <a:rPr lang="en-AU" altLang="en-US" dirty="0"/>
-              <a:t>Exercise</a:t>
-            </a:r>
-          </a:p>
-        </p:txBody>
-      </p:sp>
-      <p:sp>
-        <p:nvSpPr>
-          <p:cNvPr id="38916" name="Rectangle 3"/>
-          <p:cNvSpPr>
-            <a:spLocks noGrp="1" noChangeArrowheads="1"/>
-          </p:cNvSpPr>
-          <p:nvPr>
-            <p:ph type="body" idx="1"/>
-          </p:nvPr>
-        </p:nvSpPr>
-        <p:spPr/>
-        <p:txBody>
-          <a:bodyPr/>
-          <a:lstStyle/>
-          <a:p>
-            <a:pPr eaLnBrk="1" hangingPunct="1"/>
-            <a:r>
-              <a:rPr lang="en-US" altLang="en-US" dirty="0"/>
-              <a:t>C code:</a:t>
-            </a:r>
-          </a:p>
-          <a:p>
-            <a:pPr marL="0" indent="0" eaLnBrk="1" hangingPunct="1">
-              <a:buNone/>
-            </a:pPr>
-            <a:r>
-              <a:rPr lang="en-US" altLang="en-US" dirty="0">
-                <a:latin typeface="Lucida Console" charset="0"/>
-              </a:rPr>
-              <a:t>for (</a:t>
-            </a:r>
-            <a:r>
-              <a:rPr lang="en-US" altLang="en-US" dirty="0" err="1">
-                <a:latin typeface="Lucida Console" charset="0"/>
-              </a:rPr>
-              <a:t>i</a:t>
-            </a:r>
-            <a:r>
-              <a:rPr lang="en-US" altLang="en-US" dirty="0">
-                <a:latin typeface="Lucida Console" charset="0"/>
-              </a:rPr>
-              <a:t> = 0; </a:t>
-            </a:r>
-            <a:r>
-              <a:rPr lang="en-US" altLang="en-US" dirty="0" err="1">
-                <a:latin typeface="Lucida Console" charset="0"/>
-              </a:rPr>
-              <a:t>i</a:t>
-            </a:r>
-            <a:r>
-              <a:rPr lang="en-US" altLang="en-US" dirty="0">
-                <a:latin typeface="Lucida Console" charset="0"/>
-              </a:rPr>
-              <a:t> &lt; n; </a:t>
-            </a:r>
-            <a:r>
-              <a:rPr lang="en-US" altLang="en-US" dirty="0" err="1">
-                <a:latin typeface="Lucida Console" charset="0"/>
-              </a:rPr>
-              <a:t>i</a:t>
-            </a:r>
-            <a:r>
-              <a:rPr lang="en-US" altLang="en-US" dirty="0">
-                <a:latin typeface="Lucida Console" charset="0"/>
-              </a:rPr>
-              <a:t>++)</a:t>
-            </a:r>
-          </a:p>
-          <a:p>
-            <a:pPr marL="0" indent="0" eaLnBrk="1" hangingPunct="1">
-              <a:buNone/>
-            </a:pPr>
-            <a:r>
-              <a:rPr lang="en-US" altLang="en-US" dirty="0">
-                <a:latin typeface="Lucida Console" charset="0"/>
-              </a:rPr>
-              <a:t>	v[</a:t>
-            </a:r>
-            <a:r>
-              <a:rPr lang="en-US" altLang="en-US" dirty="0" err="1">
-                <a:latin typeface="Lucida Console" charset="0"/>
-              </a:rPr>
-              <a:t>i</a:t>
-            </a:r>
-            <a:r>
-              <a:rPr lang="en-US" altLang="en-US" dirty="0">
-                <a:latin typeface="Lucida Console" charset="0"/>
-              </a:rPr>
-              <a:t>] = 0;</a:t>
-            </a:r>
-          </a:p>
-          <a:p>
-            <a:pPr eaLnBrk="1" hangingPunct="1"/>
-            <a:r>
-              <a:rPr lang="en-US" altLang="en-US" dirty="0"/>
-              <a:t>What does the MIPS assembly look like?</a:t>
-            </a:r>
-          </a:p>
-          <a:p>
-            <a:pPr lvl="1" eaLnBrk="1" hangingPunct="1"/>
-            <a:r>
-              <a:rPr lang="en-US" altLang="en-US" dirty="0" err="1"/>
-              <a:t>i</a:t>
-            </a:r>
-            <a:r>
-              <a:rPr lang="en-US" altLang="en-US" dirty="0"/>
-              <a:t> in $s0, n in $s1, v in $s2</a:t>
-            </a:r>
-          </a:p>
-        </p:txBody>
-      </p:sp>
-    </p:spTree>
-    <p:extLst>
-      <p:ext uri="{BB962C8B-B14F-4D97-AF65-F5344CB8AC3E}">
-        <p14:creationId xmlns:p14="http://schemas.microsoft.com/office/powerpoint/2010/main" val="211717887"/>
       </p:ext>
     </p:extLst>
   </p:cSld>
